--- a/Documentation/4999 - Sprint5.pptx
+++ b/Documentation/4999 - Sprint5.pptx
@@ -5,7 +5,7 @@
     <p:sldMasterId id="2147483659" r:id="rId1"/>
   </p:sldMasterIdLst>
   <p:notesMasterIdLst>
-    <p:notesMasterId r:id="rId11"/>
+    <p:notesMasterId r:id="rId15"/>
   </p:notesMasterIdLst>
   <p:sldIdLst>
     <p:sldId id="256" r:id="rId2"/>
@@ -16,22 +16,26 @@
     <p:sldId id="278" r:id="rId7"/>
     <p:sldId id="279" r:id="rId8"/>
     <p:sldId id="280" r:id="rId9"/>
-    <p:sldId id="264" r:id="rId10"/>
+    <p:sldId id="281" r:id="rId10"/>
+    <p:sldId id="282" r:id="rId11"/>
+    <p:sldId id="283" r:id="rId12"/>
+    <p:sldId id="284" r:id="rId13"/>
+    <p:sldId id="264" r:id="rId14"/>
   </p:sldIdLst>
   <p:sldSz cx="9144000" cy="5143500" type="screen16x9"/>
   <p:notesSz cx="6858000" cy="9144000"/>
   <p:embeddedFontLst>
     <p:embeddedFont>
-      <p:font typeface="Lato" panose="020B0604020202020204" charset="0"/>
-      <p:regular r:id="rId12"/>
-      <p:bold r:id="rId13"/>
-      <p:italic r:id="rId14"/>
-      <p:boldItalic r:id="rId15"/>
-    </p:embeddedFont>
-    <p:embeddedFont>
       <p:font typeface="Montserrat" panose="020B0604020202020204" charset="0"/>
       <p:regular r:id="rId16"/>
       <p:bold r:id="rId17"/>
+    </p:embeddedFont>
+    <p:embeddedFont>
+      <p:font typeface="Lato" panose="020B0604020202020204" charset="0"/>
+      <p:regular r:id="rId18"/>
+      <p:bold r:id="rId19"/>
+      <p:italic r:id="rId20"/>
+      <p:boldItalic r:id="rId21"/>
     </p:embeddedFont>
   </p:embeddedFontLst>
   <p:defaultTextStyle>
@@ -242,10 +246,6 @@
     </p:ext>
   </p:extLst>
 </p:presentation>
-</file>
-
-<file path=ppt/revisionInfo.xml><?xml version="1.0" encoding="utf-8"?>
-<p1510:revInfo xmlns:a="http://schemas.openxmlformats.org/drawingml/2006/main" xmlns:r="http://schemas.openxmlformats.org/officeDocument/2006/relationships" xmlns:p1510="http://schemas.microsoft.com/office/powerpoint/2015/10/main"/>
 </file>
 
 <file path=ppt/notesMasters/notesMaster1.xml><?xml version="1.0" encoding="utf-8"?>
@@ -6227,15 +6227,7 @@
             </a:br>
             <a:r>
               <a:rPr lang="en" dirty="0"/>
-              <a:t>Sprint </a:t>
-            </a:r>
-            <a:r>
-              <a:rPr lang="en" dirty="0" smtClean="0"/>
-              <a:t>5</a:t>
-            </a:r>
-            <a:r>
-              <a:rPr lang="en" dirty="0"/>
-              <a:t/>
+              <a:t>Sprint 5</a:t>
             </a:r>
             <a:br>
               <a:rPr lang="en" dirty="0"/>
@@ -6287,17 +6279,10 @@
   <p:clrMapOvr>
     <a:masterClrMapping/>
   </p:clrMapOvr>
-  <p:timing>
-    <p:tnLst>
-      <p:par>
-        <p:cTn id="1" dur="indefinite" restart="never" nodeType="tmRoot"/>
-      </p:par>
-    </p:tnLst>
-  </p:timing>
 </p:sld>
 </file>
 
-<file path=ppt/slides/slide2.xml><?xml version="1.0" encoding="utf-8"?>
+<file path=ppt/slides/slide10.xml><?xml version="1.0" encoding="utf-8"?>
 <p:sld xmlns:a="http://schemas.openxmlformats.org/drawingml/2006/main" xmlns:r="http://schemas.openxmlformats.org/officeDocument/2006/relationships" xmlns:p="http://schemas.openxmlformats.org/presentationml/2006/main">
   <p:cSld>
     <p:spTree>
@@ -6316,7 +6301,13 @@
       </p:grpSpPr>
       <p:sp>
         <p:nvSpPr>
-          <p:cNvPr id="2" name="Title 1"/>
+          <p:cNvPr id="2" name="Title 1">
+            <a:extLst>
+              <a:ext uri="{FF2B5EF4-FFF2-40B4-BE49-F238E27FC236}">
+                <a16:creationId xmlns:a16="http://schemas.microsoft.com/office/drawing/2014/main" id="{92E2C988-C286-4162-821F-B22539435A0D}"/>
+              </a:ext>
+            </a:extLst>
+          </p:cNvPr>
           <p:cNvSpPr>
             <a:spLocks noGrp="1"/>
           </p:cNvSpPr>
@@ -6330,19 +6321,29 @@
           <a:lstStyle/>
           <a:p>
             <a:r>
-              <a:rPr lang="en-US" dirty="0" smtClean="0"/>
-              <a:t>Sprint 5 </a:t>
+              <a:rPr lang="en-US" dirty="0"/>
+              <a:t>UC-</a:t>
+            </a:r>
+            <a:r>
+              <a:rPr lang="en-US" dirty="0" err="1"/>
+              <a:t>GenerateAccountInfo</a:t>
             </a:r>
             <a:r>
               <a:rPr lang="en-US" dirty="0"/>
-              <a:t>Goals	</a:t>
+              <a:t> Continued</a:t>
             </a:r>
           </a:p>
         </p:txBody>
       </p:sp>
       <p:sp>
         <p:nvSpPr>
-          <p:cNvPr id="3" name="Text Placeholder 2"/>
+          <p:cNvPr id="3" name="Text Placeholder 2">
+            <a:extLst>
+              <a:ext uri="{FF2B5EF4-FFF2-40B4-BE49-F238E27FC236}">
+                <a16:creationId xmlns:a16="http://schemas.microsoft.com/office/drawing/2014/main" id="{3688B78C-3DEA-4BE8-AE05-A5C5348B9112}"/>
+              </a:ext>
+            </a:extLst>
+          </p:cNvPr>
           <p:cNvSpPr>
             <a:spLocks noGrp="1"/>
           </p:cNvSpPr>
@@ -6350,54 +6351,62 @@
             <p:ph type="body" idx="1"/>
           </p:nvPr>
         </p:nvSpPr>
-        <p:spPr>
-          <a:xfrm>
-            <a:off x="1468582" y="1452597"/>
-            <a:ext cx="5496534" cy="2911200"/>
-          </a:xfrm>
-        </p:spPr>
+        <p:spPr/>
         <p:txBody>
           <a:bodyPr/>
           <a:lstStyle/>
           <a:p>
             <a:r>
-              <a:rPr lang="en-US" sz="1400" dirty="0" smtClean="0"/>
-              <a:t> </a:t>
-            </a:r>
-            <a:r>
-              <a:rPr lang="en-US" sz="1400" dirty="0"/>
-              <a:t> Create Rink Rental System</a:t>
-            </a:r>
-          </a:p>
-          <a:p>
-            <a:r>
-              <a:rPr lang="en-US" sz="1400" dirty="0"/>
-              <a:t> Main page rink functionality</a:t>
+              <a:rPr lang="en-US" dirty="0"/>
+              <a:t>Activity Diagram</a:t>
             </a:r>
           </a:p>
         </p:txBody>
       </p:sp>
+      <p:pic>
+        <p:nvPicPr>
+          <p:cNvPr id="4" name="Picture 3">
+            <a:extLst>
+              <a:ext uri="{FF2B5EF4-FFF2-40B4-BE49-F238E27FC236}">
+                <a16:creationId xmlns:a16="http://schemas.microsoft.com/office/drawing/2014/main" id="{C6FB99A6-A7D9-47BA-BBCE-29B840DAAB77}"/>
+              </a:ext>
+            </a:extLst>
+          </p:cNvPr>
+          <p:cNvPicPr>
+            <a:picLocks noChangeAspect="1"/>
+          </p:cNvPicPr>
+          <p:nvPr/>
+        </p:nvPicPr>
+        <p:blipFill>
+          <a:blip r:embed="rId2"/>
+          <a:stretch>
+            <a:fillRect/>
+          </a:stretch>
+        </p:blipFill>
+        <p:spPr>
+          <a:xfrm>
+            <a:off x="3662751" y="1032787"/>
+            <a:ext cx="4925971" cy="3835650"/>
+          </a:xfrm>
+          <a:prstGeom prst="rect">
+            <a:avLst/>
+          </a:prstGeom>
+        </p:spPr>
+      </p:pic>
     </p:spTree>
     <p:extLst>
       <p:ext uri="{BB962C8B-B14F-4D97-AF65-F5344CB8AC3E}">
-        <p14:creationId xmlns:p14="http://schemas.microsoft.com/office/powerpoint/2010/main" val="2729086324"/>
+        <p14:creationId xmlns:p14="http://schemas.microsoft.com/office/powerpoint/2010/main" val="1759748371"/>
       </p:ext>
     </p:extLst>
   </p:cSld>
   <p:clrMapOvr>
     <a:masterClrMapping/>
   </p:clrMapOvr>
-  <p:timing>
-    <p:tnLst>
-      <p:par>
-        <p:cTn id="1" dur="indefinite" restart="never" nodeType="tmRoot"/>
-      </p:par>
-    </p:tnLst>
-  </p:timing>
 </p:sld>
 </file>
 
-<file path=ppt/slides/slide3.xml><?xml version="1.0" encoding="utf-8"?>
+<file path=ppt/slides/slide11.xml><?xml version="1.0" encoding="utf-8"?>
 <p:sld xmlns:a="http://schemas.openxmlformats.org/drawingml/2006/main" xmlns:r="http://schemas.openxmlformats.org/officeDocument/2006/relationships" xmlns:p="http://schemas.openxmlformats.org/presentationml/2006/main">
   <p:cSld>
     <p:spTree>
@@ -6416,7 +6425,13 @@
       </p:grpSpPr>
       <p:sp>
         <p:nvSpPr>
-          <p:cNvPr id="2" name="Title 1"/>
+          <p:cNvPr id="2" name="Title 1">
+            <a:extLst>
+              <a:ext uri="{FF2B5EF4-FFF2-40B4-BE49-F238E27FC236}">
+                <a16:creationId xmlns:a16="http://schemas.microsoft.com/office/drawing/2014/main" id="{00147F53-AFC7-4B97-9D1A-F9FA62E252E9}"/>
+              </a:ext>
+            </a:extLst>
+          </p:cNvPr>
           <p:cNvSpPr>
             <a:spLocks noGrp="1"/>
           </p:cNvSpPr>
@@ -6431,14 +6446,28 @@
           <a:p>
             <a:r>
               <a:rPr lang="en-US" dirty="0"/>
-              <a:t>Next Sprint Goals</a:t>
+              <a:t>UC-</a:t>
+            </a:r>
+            <a:r>
+              <a:rPr lang="en-US" dirty="0" err="1"/>
+              <a:t>GenerateAccountInfo</a:t>
+            </a:r>
+            <a:r>
+              <a:rPr lang="en-US" dirty="0"/>
+              <a:t> Continued</a:t>
             </a:r>
           </a:p>
         </p:txBody>
       </p:sp>
       <p:sp>
         <p:nvSpPr>
-          <p:cNvPr id="3" name="Text Placeholder 2"/>
+          <p:cNvPr id="3" name="Text Placeholder 2">
+            <a:extLst>
+              <a:ext uri="{FF2B5EF4-FFF2-40B4-BE49-F238E27FC236}">
+                <a16:creationId xmlns:a16="http://schemas.microsoft.com/office/drawing/2014/main" id="{47F9231C-03C6-480C-AB9D-AD3D9AE060DC}"/>
+              </a:ext>
+            </a:extLst>
+          </p:cNvPr>
           <p:cNvSpPr>
             <a:spLocks noGrp="1"/>
           </p:cNvSpPr>
@@ -6446,57 +6475,62 @@
             <p:ph type="body" idx="1"/>
           </p:nvPr>
         </p:nvSpPr>
-        <p:spPr>
-          <a:xfrm>
-            <a:off x="1297500" y="1567550"/>
-            <a:ext cx="7454614" cy="2911200"/>
-          </a:xfrm>
-        </p:spPr>
+        <p:spPr/>
         <p:txBody>
           <a:bodyPr/>
           <a:lstStyle/>
           <a:p>
             <a:r>
-              <a:rPr lang="en-US" sz="1600" dirty="0" smtClean="0"/>
-              <a:t>Create employee timesheet system</a:t>
+              <a:rPr lang="en-US" dirty="0"/>
+              <a:t> Activity Diagram </a:t>
             </a:r>
-          </a:p>
-          <a:p>
-            <a:r>
-              <a:rPr lang="en-US" sz="1600" dirty="0" smtClean="0"/>
-              <a:t>Create interactive rink map on main page so guest can see an overview of events</a:t>
-            </a:r>
-          </a:p>
-          <a:p>
-            <a:r>
-              <a:rPr lang="en-US" sz="1600" dirty="0" smtClean="0"/>
-              <a:t>Create video page</a:t>
-            </a:r>
-            <a:endParaRPr lang="en-US" sz="1600" dirty="0"/>
           </a:p>
         </p:txBody>
       </p:sp>
+      <p:pic>
+        <p:nvPicPr>
+          <p:cNvPr id="4" name="Picture 3">
+            <a:extLst>
+              <a:ext uri="{FF2B5EF4-FFF2-40B4-BE49-F238E27FC236}">
+                <a16:creationId xmlns:a16="http://schemas.microsoft.com/office/drawing/2014/main" id="{76B5C5DA-39F8-413A-95B6-CC4ED30321EB}"/>
+              </a:ext>
+            </a:extLst>
+          </p:cNvPr>
+          <p:cNvPicPr>
+            <a:picLocks noChangeAspect="1"/>
+          </p:cNvPicPr>
+          <p:nvPr/>
+        </p:nvPicPr>
+        <p:blipFill>
+          <a:blip r:embed="rId2"/>
+          <a:stretch>
+            <a:fillRect/>
+          </a:stretch>
+        </p:blipFill>
+        <p:spPr>
+          <a:xfrm>
+            <a:off x="4268557" y="1136975"/>
+            <a:ext cx="3770477" cy="3772350"/>
+          </a:xfrm>
+          <a:prstGeom prst="rect">
+            <a:avLst/>
+          </a:prstGeom>
+        </p:spPr>
+      </p:pic>
     </p:spTree>
     <p:extLst>
       <p:ext uri="{BB962C8B-B14F-4D97-AF65-F5344CB8AC3E}">
-        <p14:creationId xmlns:p14="http://schemas.microsoft.com/office/powerpoint/2010/main" val="1733570177"/>
+        <p14:creationId xmlns:p14="http://schemas.microsoft.com/office/powerpoint/2010/main" val="3411452106"/>
       </p:ext>
     </p:extLst>
   </p:cSld>
   <p:clrMapOvr>
     <a:masterClrMapping/>
   </p:clrMapOvr>
-  <p:timing>
-    <p:tnLst>
-      <p:par>
-        <p:cTn id="1" dur="indefinite" restart="never" nodeType="tmRoot"/>
-      </p:par>
-    </p:tnLst>
-  </p:timing>
 </p:sld>
 </file>
 
-<file path=ppt/slides/slide4.xml><?xml version="1.0" encoding="utf-8"?>
+<file path=ppt/slides/slide12.xml><?xml version="1.0" encoding="utf-8"?>
 <p:sld xmlns:a="http://schemas.openxmlformats.org/drawingml/2006/main" xmlns:r="http://schemas.openxmlformats.org/officeDocument/2006/relationships" xmlns:p="http://schemas.openxmlformats.org/presentationml/2006/main">
   <p:cSld>
     <p:spTree>
@@ -6515,7 +6549,13 @@
       </p:grpSpPr>
       <p:sp>
         <p:nvSpPr>
-          <p:cNvPr id="2" name="Title 1"/>
+          <p:cNvPr id="2" name="Title 1">
+            <a:extLst>
+              <a:ext uri="{FF2B5EF4-FFF2-40B4-BE49-F238E27FC236}">
+                <a16:creationId xmlns:a16="http://schemas.microsoft.com/office/drawing/2014/main" id="{30E01517-89D5-479E-AB92-F077C68F7D1D}"/>
+              </a:ext>
+            </a:extLst>
+          </p:cNvPr>
           <p:cNvSpPr>
             <a:spLocks noGrp="1"/>
           </p:cNvSpPr>
@@ -6530,81 +6570,28 @@
           <a:p>
             <a:r>
               <a:rPr lang="en-US" dirty="0"/>
-              <a:t>Main Use Cases</a:t>
+              <a:t>UC-</a:t>
             </a:r>
-          </a:p>
-        </p:txBody>
-      </p:sp>
-    </p:spTree>
-    <p:extLst>
-      <p:ext uri="{BB962C8B-B14F-4D97-AF65-F5344CB8AC3E}">
-        <p14:creationId xmlns:p14="http://schemas.microsoft.com/office/powerpoint/2010/main" val="666669451"/>
-      </p:ext>
-    </p:extLst>
-  </p:cSld>
-  <p:clrMapOvr>
-    <a:masterClrMapping/>
-  </p:clrMapOvr>
-  <p:timing>
-    <p:tnLst>
-      <p:par>
-        <p:cTn id="1" dur="indefinite" restart="never" nodeType="tmRoot"/>
-      </p:par>
-    </p:tnLst>
-  </p:timing>
-</p:sld>
-</file>
-
-<file path=ppt/slides/slide5.xml><?xml version="1.0" encoding="utf-8"?>
-<p:sld xmlns:a="http://schemas.openxmlformats.org/drawingml/2006/main" xmlns:r="http://schemas.openxmlformats.org/officeDocument/2006/relationships" xmlns:p="http://schemas.openxmlformats.org/presentationml/2006/main">
-  <p:cSld>
-    <p:spTree>
-      <p:nvGrpSpPr>
-        <p:cNvPr id="1" name=""/>
-        <p:cNvGrpSpPr/>
-        <p:nvPr/>
-      </p:nvGrpSpPr>
-      <p:grpSpPr>
-        <a:xfrm>
-          <a:off x="0" y="0"/>
-          <a:ext cx="0" cy="0"/>
-          <a:chOff x="0" y="0"/>
-          <a:chExt cx="0" cy="0"/>
-        </a:xfrm>
-      </p:grpSpPr>
-      <p:sp>
-        <p:nvSpPr>
-          <p:cNvPr id="2" name="Title 1"/>
-          <p:cNvSpPr>
-            <a:spLocks noGrp="1"/>
-          </p:cNvSpPr>
-          <p:nvPr>
-            <p:ph type="title"/>
-          </p:nvPr>
-        </p:nvSpPr>
-        <p:spPr/>
-        <p:txBody>
-          <a:bodyPr/>
-          <a:lstStyle/>
-          <a:p>
             <a:r>
-              <a:rPr lang="en-US" b="1" dirty="0"/>
-              <a:t>Use Case-17 A manager can make the employee’s schedule</a:t>
+              <a:rPr lang="en-US" dirty="0" err="1"/>
+              <a:t>GenerateAccountInfo</a:t>
             </a:r>
             <a:r>
               <a:rPr lang="en-US" dirty="0"/>
-              <a:t/>
+              <a:t> Continued</a:t>
             </a:r>
-            <a:br>
-              <a:rPr lang="en-US" dirty="0"/>
-            </a:br>
-            <a:endParaRPr lang="en-US" dirty="0"/>
           </a:p>
         </p:txBody>
       </p:sp>
       <p:sp>
         <p:nvSpPr>
-          <p:cNvPr id="3" name="Text Placeholder 2"/>
+          <p:cNvPr id="3" name="Text Placeholder 2">
+            <a:extLst>
+              <a:ext uri="{FF2B5EF4-FFF2-40B4-BE49-F238E27FC236}">
+                <a16:creationId xmlns:a16="http://schemas.microsoft.com/office/drawing/2014/main" id="{49A6E065-6F1B-49E2-946B-11841438A845}"/>
+              </a:ext>
+            </a:extLst>
+          </p:cNvPr>
           <p:cNvSpPr>
             <a:spLocks noGrp="1"/>
           </p:cNvSpPr>
@@ -6612,942 +6599,62 @@
             <p:ph type="body" idx="1"/>
           </p:nvPr>
         </p:nvSpPr>
-        <p:spPr>
-          <a:xfrm>
-            <a:off x="1024128" y="1567550"/>
-            <a:ext cx="8072846" cy="2911200"/>
-          </a:xfrm>
-        </p:spPr>
+        <p:spPr/>
         <p:txBody>
           <a:bodyPr/>
           <a:lstStyle/>
           <a:p>
-            <a:pPr lvl="1" fontAlgn="base">
-              <a:lnSpc>
-                <a:spcPct val="100000"/>
-              </a:lnSpc>
-              <a:spcAft>
-                <a:spcPts val="0"/>
-              </a:spcAft>
-              <a:buNone/>
-            </a:pPr>
             <a:r>
-              <a:rPr lang="en-US" sz="1200" b="1" dirty="0" smtClean="0"/>
-              <a:t>Initiating </a:t>
+              <a:rPr lang="en-US" dirty="0"/>
+              <a:t>Sequence Diagram </a:t>
             </a:r>
-            <a:r>
-              <a:rPr lang="en-US" sz="1200" b="1" dirty="0"/>
-              <a:t>Actor(s):</a:t>
-            </a:r>
-            <a:endParaRPr lang="en-US" sz="1200" dirty="0"/>
-          </a:p>
-          <a:p>
-            <a:pPr lvl="8" fontAlgn="base">
-              <a:lnSpc>
-                <a:spcPct val="100000"/>
-              </a:lnSpc>
-              <a:spcAft>
-                <a:spcPts val="0"/>
-              </a:spcAft>
-              <a:buNone/>
-            </a:pPr>
-            <a:r>
-              <a:rPr lang="en-US" sz="1200" dirty="0" smtClean="0"/>
-              <a:t>	Manager</a:t>
-            </a:r>
-          </a:p>
-          <a:p>
-            <a:pPr lvl="6" fontAlgn="base">
-              <a:lnSpc>
-                <a:spcPct val="100000"/>
-              </a:lnSpc>
-              <a:spcAft>
-                <a:spcPts val="0"/>
-              </a:spcAft>
-              <a:buNone/>
-            </a:pPr>
-            <a:endParaRPr lang="en-US" sz="1200" b="1" dirty="0"/>
-          </a:p>
-          <a:p>
-            <a:pPr lvl="6" fontAlgn="base">
-              <a:lnSpc>
-                <a:spcPct val="100000"/>
-              </a:lnSpc>
-              <a:spcAft>
-                <a:spcPts val="0"/>
-              </a:spcAft>
-              <a:buNone/>
-            </a:pPr>
-            <a:r>
-              <a:rPr lang="en-US" sz="1200" b="1" dirty="0" smtClean="0"/>
-              <a:t>Actor’s </a:t>
-            </a:r>
-            <a:r>
-              <a:rPr lang="en-US" sz="1200" b="1" dirty="0"/>
-              <a:t>Goal:</a:t>
-            </a:r>
-            <a:endParaRPr lang="en-US" sz="1200" dirty="0"/>
-          </a:p>
-          <a:p>
-            <a:pPr lvl="2" fontAlgn="base">
-              <a:lnSpc>
-                <a:spcPct val="100000"/>
-              </a:lnSpc>
-              <a:spcAft>
-                <a:spcPts val="0"/>
-              </a:spcAft>
-              <a:buNone/>
-            </a:pPr>
-            <a:r>
-              <a:rPr lang="en-US" sz="1200" dirty="0" smtClean="0"/>
-              <a:t>	Make </a:t>
-            </a:r>
-            <a:r>
-              <a:rPr lang="en-US" sz="1200" dirty="0"/>
-              <a:t>the weekly schedule so that an employee is assigned to each work station throughout the week</a:t>
-            </a:r>
-            <a:r>
-              <a:rPr lang="en-US" sz="1200" dirty="0" smtClean="0"/>
-              <a:t>.</a:t>
-            </a:r>
-          </a:p>
-          <a:p>
-            <a:pPr lvl="2" fontAlgn="base">
-              <a:lnSpc>
-                <a:spcPct val="100000"/>
-              </a:lnSpc>
-              <a:spcAft>
-                <a:spcPts val="0"/>
-              </a:spcAft>
-              <a:buNone/>
-            </a:pPr>
-            <a:endParaRPr lang="en-US" sz="1200" dirty="0"/>
-          </a:p>
-          <a:p>
-            <a:pPr lvl="1" fontAlgn="base">
-              <a:lnSpc>
-                <a:spcPct val="100000"/>
-              </a:lnSpc>
-              <a:spcAft>
-                <a:spcPts val="0"/>
-              </a:spcAft>
-              <a:buNone/>
-            </a:pPr>
-            <a:r>
-              <a:rPr lang="en-US" sz="1200" b="1" dirty="0"/>
-              <a:t>Preconditions:</a:t>
-            </a:r>
-          </a:p>
-          <a:p>
-            <a:pPr lvl="2" fontAlgn="base">
-              <a:lnSpc>
-                <a:spcPct val="100000"/>
-              </a:lnSpc>
-              <a:spcAft>
-                <a:spcPts val="0"/>
-              </a:spcAft>
-              <a:buNone/>
-            </a:pPr>
-            <a:r>
-              <a:rPr lang="en-US" sz="1200" dirty="0" smtClean="0"/>
-              <a:t>	The </a:t>
-            </a:r>
-            <a:r>
-              <a:rPr lang="en-US" sz="1200" dirty="0"/>
-              <a:t>manager is logged </a:t>
-            </a:r>
-            <a:r>
-              <a:rPr lang="en-US" sz="1200" dirty="0" smtClean="0"/>
-              <a:t>in</a:t>
-            </a:r>
-          </a:p>
-          <a:p>
-            <a:pPr lvl="2" fontAlgn="base">
-              <a:lnSpc>
-                <a:spcPct val="100000"/>
-              </a:lnSpc>
-              <a:spcAft>
-                <a:spcPts val="0"/>
-              </a:spcAft>
-              <a:buNone/>
-            </a:pPr>
-            <a:endParaRPr lang="en-US" sz="1200" dirty="0"/>
-          </a:p>
-          <a:p>
-            <a:pPr lvl="1" fontAlgn="base">
-              <a:lnSpc>
-                <a:spcPct val="100000"/>
-              </a:lnSpc>
-              <a:spcAft>
-                <a:spcPts val="0"/>
-              </a:spcAft>
-              <a:buNone/>
-            </a:pPr>
-            <a:r>
-              <a:rPr lang="en-US" sz="1200" b="1" dirty="0" err="1"/>
-              <a:t>Postconditions</a:t>
-            </a:r>
-            <a:r>
-              <a:rPr lang="en-US" sz="1200" b="1" dirty="0"/>
-              <a:t>:</a:t>
-            </a:r>
-            <a:endParaRPr lang="en-US" sz="1200" dirty="0"/>
-          </a:p>
-          <a:p>
-            <a:pPr lvl="2" fontAlgn="base">
-              <a:lnSpc>
-                <a:spcPct val="100000"/>
-              </a:lnSpc>
-              <a:spcAft>
-                <a:spcPts val="0"/>
-              </a:spcAft>
-              <a:buNone/>
-            </a:pPr>
-            <a:r>
-              <a:rPr lang="en-US" sz="1200" dirty="0" smtClean="0"/>
-              <a:t>	The </a:t>
-            </a:r>
-            <a:r>
-              <a:rPr lang="en-US" sz="1200" dirty="0"/>
-              <a:t>manager can see the weeks </a:t>
-            </a:r>
-            <a:r>
-              <a:rPr lang="en-US" sz="1200" dirty="0" smtClean="0"/>
-              <a:t>schedule</a:t>
-            </a:r>
-          </a:p>
-          <a:p>
-            <a:pPr lvl="2" fontAlgn="base">
-              <a:lnSpc>
-                <a:spcPct val="100000"/>
-              </a:lnSpc>
-              <a:spcAft>
-                <a:spcPts val="0"/>
-              </a:spcAft>
-              <a:buNone/>
-            </a:pPr>
-            <a:endParaRPr lang="en-US" sz="1200" dirty="0"/>
-          </a:p>
-          <a:p>
-            <a:pPr lvl="2" fontAlgn="base">
-              <a:lnSpc>
-                <a:spcPct val="100000"/>
-              </a:lnSpc>
-              <a:spcAft>
-                <a:spcPts val="0"/>
-              </a:spcAft>
-              <a:buNone/>
-            </a:pPr>
-            <a:r>
-              <a:rPr lang="en-US" sz="1200" dirty="0" smtClean="0"/>
-              <a:t>	The </a:t>
-            </a:r>
-            <a:r>
-              <a:rPr lang="en-US" sz="1200" dirty="0"/>
-              <a:t>employee can see their schedule</a:t>
-            </a:r>
-          </a:p>
-          <a:p>
-            <a:pPr fontAlgn="base">
-              <a:lnSpc>
-                <a:spcPct val="100000"/>
-              </a:lnSpc>
-              <a:spcAft>
-                <a:spcPts val="0"/>
-              </a:spcAft>
-            </a:pPr>
-            <a:endParaRPr lang="en-US" dirty="0"/>
-          </a:p>
-          <a:p>
-            <a:pPr>
-              <a:lnSpc>
-                <a:spcPct val="100000"/>
-              </a:lnSpc>
-              <a:spcAft>
-                <a:spcPts val="0"/>
-              </a:spcAft>
-            </a:pPr>
-            <a:endParaRPr lang="en-US" dirty="0"/>
           </a:p>
         </p:txBody>
       </p:sp>
+      <p:pic>
+        <p:nvPicPr>
+          <p:cNvPr id="4" name="Picture 3">
+            <a:extLst>
+              <a:ext uri="{FF2B5EF4-FFF2-40B4-BE49-F238E27FC236}">
+                <a16:creationId xmlns:a16="http://schemas.microsoft.com/office/drawing/2014/main" id="{F56F815B-8383-4FE7-BF8E-F4006244B977}"/>
+              </a:ext>
+            </a:extLst>
+          </p:cNvPr>
+          <p:cNvPicPr>
+            <a:picLocks noChangeAspect="1"/>
+          </p:cNvPicPr>
+          <p:nvPr/>
+        </p:nvPicPr>
+        <p:blipFill>
+          <a:blip r:embed="rId2"/>
+          <a:stretch>
+            <a:fillRect/>
+          </a:stretch>
+        </p:blipFill>
+        <p:spPr>
+          <a:xfrm>
+            <a:off x="3073722" y="1046131"/>
+            <a:ext cx="5672848" cy="3954037"/>
+          </a:xfrm>
+          <a:prstGeom prst="rect">
+            <a:avLst/>
+          </a:prstGeom>
+        </p:spPr>
+      </p:pic>
     </p:spTree>
     <p:extLst>
       <p:ext uri="{BB962C8B-B14F-4D97-AF65-F5344CB8AC3E}">
-        <p14:creationId xmlns:p14="http://schemas.microsoft.com/office/powerpoint/2010/main" val="4043553795"/>
+        <p14:creationId xmlns:p14="http://schemas.microsoft.com/office/powerpoint/2010/main" val="2461925098"/>
       </p:ext>
     </p:extLst>
   </p:cSld>
   <p:clrMapOvr>
     <a:masterClrMapping/>
   </p:clrMapOvr>
-  <p:timing>
-    <p:tnLst>
-      <p:par>
-        <p:cTn id="1" dur="indefinite" restart="never" nodeType="tmRoot"/>
-      </p:par>
-    </p:tnLst>
-  </p:timing>
 </p:sld>
 </file>
 
-<file path=ppt/slides/slide6.xml><?xml version="1.0" encoding="utf-8"?>
-<p:sld xmlns:a="http://schemas.openxmlformats.org/drawingml/2006/main" xmlns:r="http://schemas.openxmlformats.org/officeDocument/2006/relationships" xmlns:p="http://schemas.openxmlformats.org/presentationml/2006/main">
-  <p:cSld>
-    <p:spTree>
-      <p:nvGrpSpPr>
-        <p:cNvPr id="1" name=""/>
-        <p:cNvGrpSpPr/>
-        <p:nvPr/>
-      </p:nvGrpSpPr>
-      <p:grpSpPr>
-        <a:xfrm>
-          <a:off x="0" y="0"/>
-          <a:ext cx="0" cy="0"/>
-          <a:chOff x="0" y="0"/>
-          <a:chExt cx="0" cy="0"/>
-        </a:xfrm>
-      </p:grpSpPr>
-      <p:sp>
-        <p:nvSpPr>
-          <p:cNvPr id="3" name="Text Placeholder 2"/>
-          <p:cNvSpPr>
-            <a:spLocks noGrp="1"/>
-          </p:cNvSpPr>
-          <p:nvPr>
-            <p:ph type="body" idx="1"/>
-          </p:nvPr>
-        </p:nvSpPr>
-        <p:spPr>
-          <a:xfrm>
-            <a:off x="1297500" y="559090"/>
-            <a:ext cx="7663620" cy="3919660"/>
-          </a:xfrm>
-        </p:spPr>
-        <p:txBody>
-          <a:bodyPr/>
-          <a:lstStyle/>
-          <a:p>
-            <a:pPr fontAlgn="base">
-              <a:lnSpc>
-                <a:spcPct val="100000"/>
-              </a:lnSpc>
-              <a:spcAft>
-                <a:spcPts val="600"/>
-              </a:spcAft>
-              <a:buNone/>
-            </a:pPr>
-            <a:r>
-              <a:rPr lang="en-US" sz="1400" b="1" dirty="0"/>
-              <a:t>Flow of Events for Main Success Scenario:</a:t>
-            </a:r>
-          </a:p>
-          <a:p>
-            <a:pPr lvl="1" fontAlgn="base">
-              <a:lnSpc>
-                <a:spcPct val="100000"/>
-              </a:lnSpc>
-              <a:spcAft>
-                <a:spcPts val="600"/>
-              </a:spcAft>
-              <a:buNone/>
-            </a:pPr>
-            <a:r>
-              <a:rPr lang="en-US" sz="1400" dirty="0" smtClean="0"/>
-              <a:t>	The </a:t>
-            </a:r>
-            <a:r>
-              <a:rPr lang="en-US" sz="1400" dirty="0"/>
-              <a:t>manager logs into their home </a:t>
-            </a:r>
-            <a:r>
-              <a:rPr lang="en-US" sz="1400" dirty="0" smtClean="0"/>
-              <a:t>page.</a:t>
-            </a:r>
-            <a:endParaRPr lang="en-US" sz="1400" dirty="0"/>
-          </a:p>
-          <a:p>
-            <a:pPr lvl="1" fontAlgn="base">
-              <a:lnSpc>
-                <a:spcPct val="100000"/>
-              </a:lnSpc>
-              <a:spcAft>
-                <a:spcPts val="600"/>
-              </a:spcAft>
-              <a:buNone/>
-            </a:pPr>
-            <a:r>
-              <a:rPr lang="en-US" sz="1400" dirty="0" smtClean="0"/>
-              <a:t>	The </a:t>
-            </a:r>
-            <a:r>
-              <a:rPr lang="en-US" sz="1400" dirty="0"/>
-              <a:t>manager selects the week that they want to work on the schedule for.</a:t>
-            </a:r>
-          </a:p>
-          <a:p>
-            <a:pPr lvl="1" fontAlgn="base">
-              <a:lnSpc>
-                <a:spcPct val="100000"/>
-              </a:lnSpc>
-              <a:spcAft>
-                <a:spcPts val="600"/>
-              </a:spcAft>
-              <a:buNone/>
-            </a:pPr>
-            <a:r>
-              <a:rPr lang="en-US" sz="1400" dirty="0" smtClean="0"/>
-              <a:t>	The </a:t>
-            </a:r>
-            <a:r>
-              <a:rPr lang="en-US" sz="1400" dirty="0"/>
-              <a:t>manager clicks the “edit schedule” button.</a:t>
-            </a:r>
-          </a:p>
-          <a:p>
-            <a:pPr lvl="1" fontAlgn="base">
-              <a:lnSpc>
-                <a:spcPct val="100000"/>
-              </a:lnSpc>
-              <a:spcAft>
-                <a:spcPts val="600"/>
-              </a:spcAft>
-              <a:buNone/>
-            </a:pPr>
-            <a:r>
-              <a:rPr lang="en-US" sz="1400" dirty="0"/>
-              <a:t>	</a:t>
-            </a:r>
-            <a:r>
-              <a:rPr lang="en-US" sz="1400" dirty="0" smtClean="0"/>
-              <a:t>The </a:t>
-            </a:r>
-            <a:r>
-              <a:rPr lang="en-US" sz="1400" dirty="0"/>
-              <a:t>manager chooses an employee and station to assign for the particular day.</a:t>
-            </a:r>
-          </a:p>
-          <a:p>
-            <a:pPr>
-              <a:lnSpc>
-                <a:spcPct val="100000"/>
-              </a:lnSpc>
-              <a:spcAft>
-                <a:spcPts val="600"/>
-              </a:spcAft>
-              <a:buNone/>
-            </a:pPr>
-            <a:r>
-              <a:rPr lang="en-US" sz="1400" dirty="0"/>
-              <a:t/>
-            </a:r>
-            <a:br>
-              <a:rPr lang="en-US" sz="1400" dirty="0"/>
-            </a:br>
-            <a:endParaRPr lang="en-US" sz="1400" dirty="0"/>
-          </a:p>
-          <a:p>
-            <a:pPr lvl="1" fontAlgn="base">
-              <a:lnSpc>
-                <a:spcPct val="100000"/>
-              </a:lnSpc>
-              <a:spcAft>
-                <a:spcPts val="600"/>
-              </a:spcAft>
-              <a:buNone/>
-            </a:pPr>
-            <a:r>
-              <a:rPr lang="en-US" sz="1400" b="1" dirty="0"/>
-              <a:t>Exceptions</a:t>
-            </a:r>
-          </a:p>
-          <a:p>
-            <a:pPr lvl="2" fontAlgn="base">
-              <a:lnSpc>
-                <a:spcPct val="100000"/>
-              </a:lnSpc>
-              <a:spcAft>
-                <a:spcPts val="600"/>
-              </a:spcAft>
-              <a:buNone/>
-            </a:pPr>
-            <a:r>
-              <a:rPr lang="en-US" sz="1400" dirty="0" smtClean="0"/>
-              <a:t>	The </a:t>
-            </a:r>
-            <a:r>
-              <a:rPr lang="en-US" sz="1400" dirty="0"/>
-              <a:t>selected employee cannot work that day</a:t>
-            </a:r>
-          </a:p>
-          <a:p>
-            <a:pPr lvl="2" fontAlgn="base">
-              <a:lnSpc>
-                <a:spcPct val="100000"/>
-              </a:lnSpc>
-              <a:spcAft>
-                <a:spcPts val="600"/>
-              </a:spcAft>
-              <a:buNone/>
-            </a:pPr>
-            <a:r>
-              <a:rPr lang="en-US" sz="1400" dirty="0" smtClean="0"/>
-              <a:t>	The </a:t>
-            </a:r>
-            <a:r>
-              <a:rPr lang="en-US" sz="1400" dirty="0"/>
-              <a:t>selected employee is assigned to another station at that time</a:t>
-            </a:r>
-          </a:p>
-        </p:txBody>
-      </p:sp>
-    </p:spTree>
-    <p:extLst>
-      <p:ext uri="{BB962C8B-B14F-4D97-AF65-F5344CB8AC3E}">
-        <p14:creationId xmlns:p14="http://schemas.microsoft.com/office/powerpoint/2010/main" val="3908008845"/>
-      </p:ext>
-    </p:extLst>
-  </p:cSld>
-  <p:clrMapOvr>
-    <a:masterClrMapping/>
-  </p:clrMapOvr>
-  <p:timing>
-    <p:tnLst>
-      <p:par>
-        <p:cTn id="1" dur="indefinite" restart="never" nodeType="tmRoot"/>
-      </p:par>
-    </p:tnLst>
-  </p:timing>
-</p:sld>
-</file>
-
-<file path=ppt/slides/slide7.xml><?xml version="1.0" encoding="utf-8"?>
-<p:sld xmlns:a="http://schemas.openxmlformats.org/drawingml/2006/main" xmlns:r="http://schemas.openxmlformats.org/officeDocument/2006/relationships" xmlns:p="http://schemas.openxmlformats.org/presentationml/2006/main">
-  <p:cSld>
-    <p:spTree>
-      <p:nvGrpSpPr>
-        <p:cNvPr id="1" name=""/>
-        <p:cNvGrpSpPr/>
-        <p:nvPr/>
-      </p:nvGrpSpPr>
-      <p:grpSpPr>
-        <a:xfrm>
-          <a:off x="0" y="0"/>
-          <a:ext cx="0" cy="0"/>
-          <a:chOff x="0" y="0"/>
-          <a:chExt cx="0" cy="0"/>
-        </a:xfrm>
-      </p:grpSpPr>
-      <p:sp>
-        <p:nvSpPr>
-          <p:cNvPr id="2" name="Title 1"/>
-          <p:cNvSpPr>
-            <a:spLocks noGrp="1"/>
-          </p:cNvSpPr>
-          <p:nvPr>
-            <p:ph type="title"/>
-          </p:nvPr>
-        </p:nvSpPr>
-        <p:spPr/>
-        <p:txBody>
-          <a:bodyPr/>
-          <a:lstStyle/>
-          <a:p>
-            <a:r>
-              <a:rPr lang="en-US" b="1" u="sng" dirty="0"/>
-              <a:t>Use Case-18</a:t>
-            </a:r>
-            <a:r>
-              <a:rPr lang="en-US" b="1" dirty="0"/>
-              <a:t> An employee can view their schedule</a:t>
-            </a:r>
-            <a:r>
-              <a:rPr lang="en-US" dirty="0"/>
-              <a:t/>
-            </a:r>
-            <a:br>
-              <a:rPr lang="en-US" dirty="0"/>
-            </a:br>
-            <a:endParaRPr lang="en-US" dirty="0"/>
-          </a:p>
-        </p:txBody>
-      </p:sp>
-      <p:sp>
-        <p:nvSpPr>
-          <p:cNvPr id="3" name="Text Placeholder 2"/>
-          <p:cNvSpPr>
-            <a:spLocks noGrp="1"/>
-          </p:cNvSpPr>
-          <p:nvPr>
-            <p:ph type="body" idx="1"/>
-          </p:nvPr>
-        </p:nvSpPr>
-        <p:spPr>
-          <a:xfrm>
-            <a:off x="1024128" y="1567550"/>
-            <a:ext cx="8072846" cy="2911200"/>
-          </a:xfrm>
-        </p:spPr>
-        <p:txBody>
-          <a:bodyPr/>
-          <a:lstStyle/>
-          <a:p>
-            <a:pPr lvl="1" fontAlgn="base">
-              <a:spcAft>
-                <a:spcPts val="600"/>
-              </a:spcAft>
-              <a:buNone/>
-            </a:pPr>
-            <a:r>
-              <a:rPr lang="en-US" b="1" dirty="0" smtClean="0"/>
-              <a:t>Initiating </a:t>
-            </a:r>
-            <a:r>
-              <a:rPr lang="en-US" b="1" dirty="0"/>
-              <a:t>Actor(s):</a:t>
-            </a:r>
-            <a:endParaRPr lang="en-US" dirty="0"/>
-          </a:p>
-          <a:p>
-            <a:pPr lvl="2" fontAlgn="base">
-              <a:spcAft>
-                <a:spcPts val="600"/>
-              </a:spcAft>
-              <a:buNone/>
-            </a:pPr>
-            <a:r>
-              <a:rPr lang="en-US" dirty="0" smtClean="0"/>
-              <a:t>	Employee</a:t>
-            </a:r>
-            <a:endParaRPr lang="en-US" dirty="0"/>
-          </a:p>
-          <a:p>
-            <a:pPr lvl="1" fontAlgn="base">
-              <a:spcAft>
-                <a:spcPts val="600"/>
-              </a:spcAft>
-              <a:buNone/>
-            </a:pPr>
-            <a:r>
-              <a:rPr lang="en-US" b="1" dirty="0" smtClean="0"/>
-              <a:t>Actor’s </a:t>
-            </a:r>
-            <a:r>
-              <a:rPr lang="en-US" b="1" dirty="0"/>
-              <a:t>Goal:</a:t>
-            </a:r>
-            <a:endParaRPr lang="en-US" dirty="0"/>
-          </a:p>
-          <a:p>
-            <a:pPr lvl="2" fontAlgn="base">
-              <a:spcAft>
-                <a:spcPts val="600"/>
-              </a:spcAft>
-              <a:buNone/>
-            </a:pPr>
-            <a:r>
-              <a:rPr lang="en-US" dirty="0" smtClean="0"/>
-              <a:t>	An </a:t>
-            </a:r>
-            <a:r>
-              <a:rPr lang="en-US" dirty="0"/>
-              <a:t>employee can view when they are scheduled to work and optionally can request not to work on a certain day.</a:t>
-            </a:r>
-          </a:p>
-          <a:p>
-            <a:pPr lvl="1" fontAlgn="base">
-              <a:spcAft>
-                <a:spcPts val="600"/>
-              </a:spcAft>
-              <a:buNone/>
-            </a:pPr>
-            <a:r>
-              <a:rPr lang="en-US" b="1" dirty="0"/>
-              <a:t>Preconditions:</a:t>
-            </a:r>
-          </a:p>
-          <a:p>
-            <a:pPr lvl="2" fontAlgn="base">
-              <a:spcAft>
-                <a:spcPts val="600"/>
-              </a:spcAft>
-              <a:buNone/>
-            </a:pPr>
-            <a:r>
-              <a:rPr lang="en-US" dirty="0" smtClean="0"/>
-              <a:t>	The </a:t>
-            </a:r>
-            <a:r>
-              <a:rPr lang="en-US" dirty="0"/>
-              <a:t>employee is logged </a:t>
-            </a:r>
-            <a:r>
-              <a:rPr lang="en-US" dirty="0" smtClean="0"/>
-              <a:t>in.</a:t>
-            </a:r>
-            <a:endParaRPr lang="en-US" dirty="0"/>
-          </a:p>
-          <a:p>
-            <a:pPr lvl="1" fontAlgn="base">
-              <a:spcAft>
-                <a:spcPts val="600"/>
-              </a:spcAft>
-              <a:buNone/>
-            </a:pPr>
-            <a:r>
-              <a:rPr lang="en-US" b="1" dirty="0" err="1"/>
-              <a:t>Postconditions</a:t>
-            </a:r>
-            <a:r>
-              <a:rPr lang="en-US" b="1" dirty="0"/>
-              <a:t>:</a:t>
-            </a:r>
-            <a:endParaRPr lang="en-US" dirty="0"/>
-          </a:p>
-          <a:p>
-            <a:pPr lvl="2" fontAlgn="base">
-              <a:spcAft>
-                <a:spcPts val="600"/>
-              </a:spcAft>
-              <a:buNone/>
-            </a:pPr>
-            <a:r>
-              <a:rPr lang="en-US" dirty="0" smtClean="0"/>
-              <a:t>	The </a:t>
-            </a:r>
-            <a:r>
-              <a:rPr lang="en-US" dirty="0"/>
-              <a:t>employee can see the weeks </a:t>
-            </a:r>
-            <a:r>
-              <a:rPr lang="en-US" dirty="0" smtClean="0"/>
-              <a:t>schedule.</a:t>
-            </a:r>
-            <a:endParaRPr lang="en-US" dirty="0"/>
-          </a:p>
-          <a:p>
-            <a:pPr lvl="2" fontAlgn="base">
-              <a:spcAft>
-                <a:spcPts val="600"/>
-              </a:spcAft>
-              <a:buNone/>
-            </a:pPr>
-            <a:r>
-              <a:rPr lang="en-US" dirty="0" smtClean="0"/>
-              <a:t>	The </a:t>
-            </a:r>
-            <a:r>
-              <a:rPr lang="en-US" dirty="0"/>
-              <a:t>manager can see </a:t>
-            </a:r>
-            <a:r>
-              <a:rPr lang="en-US" dirty="0" smtClean="0"/>
-              <a:t>if an employee is unavailable to work.</a:t>
-            </a:r>
-            <a:endParaRPr lang="en-US" dirty="0"/>
-          </a:p>
-          <a:p>
-            <a:pPr fontAlgn="base">
-              <a:lnSpc>
-                <a:spcPct val="100000"/>
-              </a:lnSpc>
-              <a:spcAft>
-                <a:spcPts val="0"/>
-              </a:spcAft>
-            </a:pPr>
-            <a:endParaRPr lang="en-US" dirty="0"/>
-          </a:p>
-          <a:p>
-            <a:pPr>
-              <a:lnSpc>
-                <a:spcPct val="100000"/>
-              </a:lnSpc>
-              <a:spcAft>
-                <a:spcPts val="0"/>
-              </a:spcAft>
-            </a:pPr>
-            <a:endParaRPr lang="en-US" dirty="0"/>
-          </a:p>
-        </p:txBody>
-      </p:sp>
-    </p:spTree>
-    <p:extLst>
-      <p:ext uri="{BB962C8B-B14F-4D97-AF65-F5344CB8AC3E}">
-        <p14:creationId xmlns:p14="http://schemas.microsoft.com/office/powerpoint/2010/main" val="3821816771"/>
-      </p:ext>
-    </p:extLst>
-  </p:cSld>
-  <p:clrMapOvr>
-    <a:masterClrMapping/>
-  </p:clrMapOvr>
-  <p:timing>
-    <p:tnLst>
-      <p:par>
-        <p:cTn id="1" dur="indefinite" restart="never" nodeType="tmRoot"/>
-      </p:par>
-    </p:tnLst>
-  </p:timing>
-</p:sld>
-</file>
-
-<file path=ppt/slides/slide8.xml><?xml version="1.0" encoding="utf-8"?>
-<p:sld xmlns:a="http://schemas.openxmlformats.org/drawingml/2006/main" xmlns:r="http://schemas.openxmlformats.org/officeDocument/2006/relationships" xmlns:p="http://schemas.openxmlformats.org/presentationml/2006/main">
-  <p:cSld>
-    <p:spTree>
-      <p:nvGrpSpPr>
-        <p:cNvPr id="1" name=""/>
-        <p:cNvGrpSpPr/>
-        <p:nvPr/>
-      </p:nvGrpSpPr>
-      <p:grpSpPr>
-        <a:xfrm>
-          <a:off x="0" y="0"/>
-          <a:ext cx="0" cy="0"/>
-          <a:chOff x="0" y="0"/>
-          <a:chExt cx="0" cy="0"/>
-        </a:xfrm>
-      </p:grpSpPr>
-      <p:sp>
-        <p:nvSpPr>
-          <p:cNvPr id="3" name="Text Placeholder 2"/>
-          <p:cNvSpPr>
-            <a:spLocks noGrp="1"/>
-          </p:cNvSpPr>
-          <p:nvPr>
-            <p:ph type="body" idx="1"/>
-          </p:nvPr>
-        </p:nvSpPr>
-        <p:spPr>
-          <a:xfrm>
-            <a:off x="1297500" y="559090"/>
-            <a:ext cx="7663620" cy="3919660"/>
-          </a:xfrm>
-        </p:spPr>
-        <p:txBody>
-          <a:bodyPr/>
-          <a:lstStyle/>
-          <a:p>
-            <a:pPr lvl="1" fontAlgn="base">
-              <a:buNone/>
-            </a:pPr>
-            <a:r>
-              <a:rPr lang="en-US" b="1" dirty="0" smtClean="0"/>
-              <a:t>Flow </a:t>
-            </a:r>
-            <a:r>
-              <a:rPr lang="en-US" b="1" dirty="0"/>
-              <a:t>of Events for Main Success Scenario:</a:t>
-            </a:r>
-          </a:p>
-          <a:p>
-            <a:pPr lvl="1" fontAlgn="base">
-              <a:buNone/>
-            </a:pPr>
-            <a:r>
-              <a:rPr lang="en-US" dirty="0" smtClean="0"/>
-              <a:t>	The employee logs into their home page</a:t>
-            </a:r>
-          </a:p>
-          <a:p>
-            <a:pPr lvl="1" fontAlgn="base">
-              <a:buNone/>
-            </a:pPr>
-            <a:r>
-              <a:rPr lang="en-US" dirty="0"/>
-              <a:t>	</a:t>
-            </a:r>
-            <a:r>
-              <a:rPr lang="en-US" dirty="0" smtClean="0"/>
-              <a:t>The </a:t>
-            </a:r>
-            <a:r>
-              <a:rPr lang="en-US" dirty="0"/>
-              <a:t>employee’s schedule will populate on the page.</a:t>
-            </a:r>
-          </a:p>
-          <a:p>
-            <a:pPr lvl="1" fontAlgn="base">
-              <a:buNone/>
-            </a:pPr>
-            <a:r>
-              <a:rPr lang="en-US" dirty="0" smtClean="0"/>
-              <a:t>	The </a:t>
-            </a:r>
-            <a:r>
-              <a:rPr lang="en-US" dirty="0"/>
-              <a:t>employee can click the “edit availability” button.</a:t>
-            </a:r>
-          </a:p>
-          <a:p>
-            <a:pPr lvl="1" fontAlgn="base">
-              <a:buNone/>
-            </a:pPr>
-            <a:r>
-              <a:rPr lang="en-US" dirty="0" smtClean="0"/>
-              <a:t>	The </a:t>
-            </a:r>
-            <a:r>
-              <a:rPr lang="en-US" dirty="0"/>
-              <a:t>employee can select what day they cannot work and provide a reason why for the manager</a:t>
-            </a:r>
-            <a:r>
-              <a:rPr lang="en-US" dirty="0" smtClean="0"/>
-              <a:t>.</a:t>
-            </a:r>
-            <a:r>
-              <a:rPr lang="en-US" dirty="0"/>
-              <a:t/>
-            </a:r>
-            <a:br>
-              <a:rPr lang="en-US" dirty="0"/>
-            </a:br>
-            <a:endParaRPr lang="en-US" dirty="0"/>
-          </a:p>
-          <a:p>
-            <a:pPr lvl="1" fontAlgn="base">
-              <a:buNone/>
-            </a:pPr>
-            <a:r>
-              <a:rPr lang="en-US" b="1" dirty="0"/>
-              <a:t>Exceptions</a:t>
-            </a:r>
-          </a:p>
-          <a:p>
-            <a:pPr lvl="2" fontAlgn="base">
-              <a:buNone/>
-            </a:pPr>
-            <a:r>
-              <a:rPr lang="en-US" dirty="0" smtClean="0"/>
-              <a:t>	The </a:t>
-            </a:r>
-            <a:r>
-              <a:rPr lang="en-US" dirty="0"/>
-              <a:t>employee is not scheduled to work</a:t>
-            </a:r>
-          </a:p>
-        </p:txBody>
-      </p:sp>
-    </p:spTree>
-    <p:extLst>
-      <p:ext uri="{BB962C8B-B14F-4D97-AF65-F5344CB8AC3E}">
-        <p14:creationId xmlns:p14="http://schemas.microsoft.com/office/powerpoint/2010/main" val="1901213849"/>
-      </p:ext>
-    </p:extLst>
-  </p:cSld>
-  <p:clrMapOvr>
-    <a:masterClrMapping/>
-  </p:clrMapOvr>
-  <p:timing>
-    <p:tnLst>
-      <p:par>
-        <p:cTn id="1" dur="indefinite" restart="never" nodeType="tmRoot"/>
-      </p:par>
-    </p:tnLst>
-  </p:timing>
-</p:sld>
-</file>
-
-<file path=ppt/slides/slide9.xml><?xml version="1.0" encoding="utf-8"?>
+<file path=ppt/slides/slide13.xml><?xml version="1.0" encoding="utf-8"?>
 <p:sld xmlns:a="http://schemas.openxmlformats.org/drawingml/2006/main" xmlns:r="http://schemas.openxmlformats.org/officeDocument/2006/relationships" xmlns:p="http://schemas.openxmlformats.org/presentationml/2006/main">
   <p:cSld>
     <p:spTree>
@@ -7607,13 +6714,1196 @@
   <p:clrMapOvr>
     <a:masterClrMapping/>
   </p:clrMapOvr>
-  <p:timing>
-    <p:tnLst>
-      <p:par>
-        <p:cTn id="1" dur="indefinite" restart="never" nodeType="tmRoot"/>
-      </p:par>
-    </p:tnLst>
-  </p:timing>
+</p:sld>
+</file>
+
+<file path=ppt/slides/slide2.xml><?xml version="1.0" encoding="utf-8"?>
+<p:sld xmlns:a="http://schemas.openxmlformats.org/drawingml/2006/main" xmlns:r="http://schemas.openxmlformats.org/officeDocument/2006/relationships" xmlns:p="http://schemas.openxmlformats.org/presentationml/2006/main">
+  <p:cSld>
+    <p:spTree>
+      <p:nvGrpSpPr>
+        <p:cNvPr id="1" name=""/>
+        <p:cNvGrpSpPr/>
+        <p:nvPr/>
+      </p:nvGrpSpPr>
+      <p:grpSpPr>
+        <a:xfrm>
+          <a:off x="0" y="0"/>
+          <a:ext cx="0" cy="0"/>
+          <a:chOff x="0" y="0"/>
+          <a:chExt cx="0" cy="0"/>
+        </a:xfrm>
+      </p:grpSpPr>
+      <p:sp>
+        <p:nvSpPr>
+          <p:cNvPr id="2" name="Title 1"/>
+          <p:cNvSpPr>
+            <a:spLocks noGrp="1"/>
+          </p:cNvSpPr>
+          <p:nvPr>
+            <p:ph type="title"/>
+          </p:nvPr>
+        </p:nvSpPr>
+        <p:spPr/>
+        <p:txBody>
+          <a:bodyPr/>
+          <a:lstStyle/>
+          <a:p>
+            <a:r>
+              <a:rPr lang="en-US" dirty="0"/>
+              <a:t>Sprint 5 Goals	</a:t>
+            </a:r>
+          </a:p>
+        </p:txBody>
+      </p:sp>
+      <p:sp>
+        <p:nvSpPr>
+          <p:cNvPr id="3" name="Text Placeholder 2"/>
+          <p:cNvSpPr>
+            <a:spLocks noGrp="1"/>
+          </p:cNvSpPr>
+          <p:nvPr>
+            <p:ph type="body" idx="1"/>
+          </p:nvPr>
+        </p:nvSpPr>
+        <p:spPr>
+          <a:xfrm>
+            <a:off x="1468582" y="1452597"/>
+            <a:ext cx="5496534" cy="2911200"/>
+          </a:xfrm>
+        </p:spPr>
+        <p:txBody>
+          <a:bodyPr/>
+          <a:lstStyle/>
+          <a:p>
+            <a:r>
+              <a:rPr lang="en-US" sz="1400" dirty="0"/>
+              <a:t>  Create Rink Rental System</a:t>
+            </a:r>
+          </a:p>
+          <a:p>
+            <a:r>
+              <a:rPr lang="en-US" sz="1400" dirty="0"/>
+              <a:t> Main page rink functionality</a:t>
+            </a:r>
+          </a:p>
+        </p:txBody>
+      </p:sp>
+    </p:spTree>
+    <p:extLst>
+      <p:ext uri="{BB962C8B-B14F-4D97-AF65-F5344CB8AC3E}">
+        <p14:creationId xmlns:p14="http://schemas.microsoft.com/office/powerpoint/2010/main" val="2729086324"/>
+      </p:ext>
+    </p:extLst>
+  </p:cSld>
+  <p:clrMapOvr>
+    <a:masterClrMapping/>
+  </p:clrMapOvr>
+</p:sld>
+</file>
+
+<file path=ppt/slides/slide3.xml><?xml version="1.0" encoding="utf-8"?>
+<p:sld xmlns:a="http://schemas.openxmlformats.org/drawingml/2006/main" xmlns:r="http://schemas.openxmlformats.org/officeDocument/2006/relationships" xmlns:p="http://schemas.openxmlformats.org/presentationml/2006/main">
+  <p:cSld>
+    <p:spTree>
+      <p:nvGrpSpPr>
+        <p:cNvPr id="1" name=""/>
+        <p:cNvGrpSpPr/>
+        <p:nvPr/>
+      </p:nvGrpSpPr>
+      <p:grpSpPr>
+        <a:xfrm>
+          <a:off x="0" y="0"/>
+          <a:ext cx="0" cy="0"/>
+          <a:chOff x="0" y="0"/>
+          <a:chExt cx="0" cy="0"/>
+        </a:xfrm>
+      </p:grpSpPr>
+      <p:sp>
+        <p:nvSpPr>
+          <p:cNvPr id="2" name="Title 1"/>
+          <p:cNvSpPr>
+            <a:spLocks noGrp="1"/>
+          </p:cNvSpPr>
+          <p:nvPr>
+            <p:ph type="title"/>
+          </p:nvPr>
+        </p:nvSpPr>
+        <p:spPr/>
+        <p:txBody>
+          <a:bodyPr/>
+          <a:lstStyle/>
+          <a:p>
+            <a:r>
+              <a:rPr lang="en-US" dirty="0"/>
+              <a:t>Next Sprint Goals</a:t>
+            </a:r>
+          </a:p>
+        </p:txBody>
+      </p:sp>
+      <p:sp>
+        <p:nvSpPr>
+          <p:cNvPr id="3" name="Text Placeholder 2"/>
+          <p:cNvSpPr>
+            <a:spLocks noGrp="1"/>
+          </p:cNvSpPr>
+          <p:nvPr>
+            <p:ph type="body" idx="1"/>
+          </p:nvPr>
+        </p:nvSpPr>
+        <p:spPr>
+          <a:xfrm>
+            <a:off x="1297500" y="1567550"/>
+            <a:ext cx="7454614" cy="2911200"/>
+          </a:xfrm>
+        </p:spPr>
+        <p:txBody>
+          <a:bodyPr/>
+          <a:lstStyle/>
+          <a:p>
+            <a:r>
+              <a:rPr lang="en-US" sz="1600" dirty="0"/>
+              <a:t>Create employee timesheet system</a:t>
+            </a:r>
+          </a:p>
+          <a:p>
+            <a:r>
+              <a:rPr lang="en-US" sz="1600" dirty="0"/>
+              <a:t>Create interactive rink map on main page so guest can see an overview of events</a:t>
+            </a:r>
+          </a:p>
+          <a:p>
+            <a:r>
+              <a:rPr lang="en-US" sz="1600" dirty="0"/>
+              <a:t>Create video page</a:t>
+            </a:r>
+          </a:p>
+          <a:p>
+            <a:r>
+              <a:rPr lang="en-US" sz="1600" dirty="0"/>
+              <a:t>Finish up more </a:t>
+            </a:r>
+            <a:r>
+              <a:rPr lang="en-US" sz="1600" dirty="0" err="1"/>
+              <a:t>Usecase</a:t>
+            </a:r>
+            <a:r>
+              <a:rPr lang="en-US" sz="1600" dirty="0"/>
+              <a:t> Diagrams.</a:t>
+            </a:r>
+          </a:p>
+          <a:p>
+            <a:r>
+              <a:rPr lang="en-US" sz="1600" dirty="0"/>
+              <a:t>Add additional </a:t>
+            </a:r>
+            <a:r>
+              <a:rPr lang="en-US" sz="1600" dirty="0" err="1"/>
+              <a:t>usecase</a:t>
+            </a:r>
+            <a:endParaRPr lang="en-US" sz="1600" dirty="0"/>
+          </a:p>
+        </p:txBody>
+      </p:sp>
+    </p:spTree>
+    <p:extLst>
+      <p:ext uri="{BB962C8B-B14F-4D97-AF65-F5344CB8AC3E}">
+        <p14:creationId xmlns:p14="http://schemas.microsoft.com/office/powerpoint/2010/main" val="1733570177"/>
+      </p:ext>
+    </p:extLst>
+  </p:cSld>
+  <p:clrMapOvr>
+    <a:masterClrMapping/>
+  </p:clrMapOvr>
+</p:sld>
+</file>
+
+<file path=ppt/slides/slide4.xml><?xml version="1.0" encoding="utf-8"?>
+<p:sld xmlns:a="http://schemas.openxmlformats.org/drawingml/2006/main" xmlns:r="http://schemas.openxmlformats.org/officeDocument/2006/relationships" xmlns:p="http://schemas.openxmlformats.org/presentationml/2006/main">
+  <p:cSld>
+    <p:spTree>
+      <p:nvGrpSpPr>
+        <p:cNvPr id="1" name=""/>
+        <p:cNvGrpSpPr/>
+        <p:nvPr/>
+      </p:nvGrpSpPr>
+      <p:grpSpPr>
+        <a:xfrm>
+          <a:off x="0" y="0"/>
+          <a:ext cx="0" cy="0"/>
+          <a:chOff x="0" y="0"/>
+          <a:chExt cx="0" cy="0"/>
+        </a:xfrm>
+      </p:grpSpPr>
+      <p:sp>
+        <p:nvSpPr>
+          <p:cNvPr id="2" name="Title 1"/>
+          <p:cNvSpPr>
+            <a:spLocks noGrp="1"/>
+          </p:cNvSpPr>
+          <p:nvPr>
+            <p:ph type="title"/>
+          </p:nvPr>
+        </p:nvSpPr>
+        <p:spPr/>
+        <p:txBody>
+          <a:bodyPr/>
+          <a:lstStyle/>
+          <a:p>
+            <a:r>
+              <a:rPr lang="en-US" dirty="0"/>
+              <a:t>Main Use Cases</a:t>
+            </a:r>
+          </a:p>
+        </p:txBody>
+      </p:sp>
+    </p:spTree>
+    <p:extLst>
+      <p:ext uri="{BB962C8B-B14F-4D97-AF65-F5344CB8AC3E}">
+        <p14:creationId xmlns:p14="http://schemas.microsoft.com/office/powerpoint/2010/main" val="666669451"/>
+      </p:ext>
+    </p:extLst>
+  </p:cSld>
+  <p:clrMapOvr>
+    <a:masterClrMapping/>
+  </p:clrMapOvr>
+</p:sld>
+</file>
+
+<file path=ppt/slides/slide5.xml><?xml version="1.0" encoding="utf-8"?>
+<p:sld xmlns:a="http://schemas.openxmlformats.org/drawingml/2006/main" xmlns:r="http://schemas.openxmlformats.org/officeDocument/2006/relationships" xmlns:p="http://schemas.openxmlformats.org/presentationml/2006/main">
+  <p:cSld>
+    <p:spTree>
+      <p:nvGrpSpPr>
+        <p:cNvPr id="1" name=""/>
+        <p:cNvGrpSpPr/>
+        <p:nvPr/>
+      </p:nvGrpSpPr>
+      <p:grpSpPr>
+        <a:xfrm>
+          <a:off x="0" y="0"/>
+          <a:ext cx="0" cy="0"/>
+          <a:chOff x="0" y="0"/>
+          <a:chExt cx="0" cy="0"/>
+        </a:xfrm>
+      </p:grpSpPr>
+      <p:sp>
+        <p:nvSpPr>
+          <p:cNvPr id="2" name="Title 1"/>
+          <p:cNvSpPr>
+            <a:spLocks noGrp="1"/>
+          </p:cNvSpPr>
+          <p:nvPr>
+            <p:ph type="title"/>
+          </p:nvPr>
+        </p:nvSpPr>
+        <p:spPr/>
+        <p:txBody>
+          <a:bodyPr/>
+          <a:lstStyle/>
+          <a:p>
+            <a:r>
+              <a:rPr lang="en-US" b="1" dirty="0"/>
+              <a:t>Use Case-17 A manager can make the employee’s schedule</a:t>
+            </a:r>
+            <a:br>
+              <a:rPr lang="en-US" dirty="0"/>
+            </a:br>
+            <a:endParaRPr lang="en-US" dirty="0"/>
+          </a:p>
+        </p:txBody>
+      </p:sp>
+      <p:sp>
+        <p:nvSpPr>
+          <p:cNvPr id="3" name="Text Placeholder 2"/>
+          <p:cNvSpPr>
+            <a:spLocks noGrp="1"/>
+          </p:cNvSpPr>
+          <p:nvPr>
+            <p:ph type="body" idx="1"/>
+          </p:nvPr>
+        </p:nvSpPr>
+        <p:spPr>
+          <a:xfrm>
+            <a:off x="1024128" y="1567550"/>
+            <a:ext cx="8072846" cy="2911200"/>
+          </a:xfrm>
+        </p:spPr>
+        <p:txBody>
+          <a:bodyPr/>
+          <a:lstStyle/>
+          <a:p>
+            <a:pPr lvl="1" fontAlgn="base">
+              <a:lnSpc>
+                <a:spcPct val="100000"/>
+              </a:lnSpc>
+              <a:spcAft>
+                <a:spcPts val="0"/>
+              </a:spcAft>
+              <a:buNone/>
+            </a:pPr>
+            <a:r>
+              <a:rPr lang="en-US" sz="1200" b="1" dirty="0"/>
+              <a:t>Initiating Actor(s):</a:t>
+            </a:r>
+            <a:endParaRPr lang="en-US" sz="1200" dirty="0"/>
+          </a:p>
+          <a:p>
+            <a:pPr lvl="8" fontAlgn="base">
+              <a:lnSpc>
+                <a:spcPct val="100000"/>
+              </a:lnSpc>
+              <a:spcAft>
+                <a:spcPts val="0"/>
+              </a:spcAft>
+              <a:buNone/>
+            </a:pPr>
+            <a:r>
+              <a:rPr lang="en-US" sz="1200" dirty="0"/>
+              <a:t>	Manager</a:t>
+            </a:r>
+          </a:p>
+          <a:p>
+            <a:pPr lvl="6" fontAlgn="base">
+              <a:lnSpc>
+                <a:spcPct val="100000"/>
+              </a:lnSpc>
+              <a:spcAft>
+                <a:spcPts val="0"/>
+              </a:spcAft>
+              <a:buNone/>
+            </a:pPr>
+            <a:endParaRPr lang="en-US" sz="1200" b="1" dirty="0"/>
+          </a:p>
+          <a:p>
+            <a:pPr lvl="6" fontAlgn="base">
+              <a:lnSpc>
+                <a:spcPct val="100000"/>
+              </a:lnSpc>
+              <a:spcAft>
+                <a:spcPts val="0"/>
+              </a:spcAft>
+              <a:buNone/>
+            </a:pPr>
+            <a:r>
+              <a:rPr lang="en-US" sz="1200" b="1" dirty="0"/>
+              <a:t>Actor’s Goal:</a:t>
+            </a:r>
+            <a:endParaRPr lang="en-US" sz="1200" dirty="0"/>
+          </a:p>
+          <a:p>
+            <a:pPr lvl="2" fontAlgn="base">
+              <a:lnSpc>
+                <a:spcPct val="100000"/>
+              </a:lnSpc>
+              <a:spcAft>
+                <a:spcPts val="0"/>
+              </a:spcAft>
+              <a:buNone/>
+            </a:pPr>
+            <a:r>
+              <a:rPr lang="en-US" sz="1200" dirty="0"/>
+              <a:t>	Make the weekly schedule so that an employee is assigned to each work station throughout the week.</a:t>
+            </a:r>
+          </a:p>
+          <a:p>
+            <a:pPr lvl="2" fontAlgn="base">
+              <a:lnSpc>
+                <a:spcPct val="100000"/>
+              </a:lnSpc>
+              <a:spcAft>
+                <a:spcPts val="0"/>
+              </a:spcAft>
+              <a:buNone/>
+            </a:pPr>
+            <a:endParaRPr lang="en-US" sz="1200" dirty="0"/>
+          </a:p>
+          <a:p>
+            <a:pPr lvl="1" fontAlgn="base">
+              <a:lnSpc>
+                <a:spcPct val="100000"/>
+              </a:lnSpc>
+              <a:spcAft>
+                <a:spcPts val="0"/>
+              </a:spcAft>
+              <a:buNone/>
+            </a:pPr>
+            <a:r>
+              <a:rPr lang="en-US" sz="1200" b="1" dirty="0"/>
+              <a:t>Preconditions:</a:t>
+            </a:r>
+          </a:p>
+          <a:p>
+            <a:pPr lvl="2" fontAlgn="base">
+              <a:lnSpc>
+                <a:spcPct val="100000"/>
+              </a:lnSpc>
+              <a:spcAft>
+                <a:spcPts val="0"/>
+              </a:spcAft>
+              <a:buNone/>
+            </a:pPr>
+            <a:r>
+              <a:rPr lang="en-US" sz="1200" dirty="0"/>
+              <a:t>	The manager is logged in</a:t>
+            </a:r>
+          </a:p>
+          <a:p>
+            <a:pPr lvl="2" fontAlgn="base">
+              <a:lnSpc>
+                <a:spcPct val="100000"/>
+              </a:lnSpc>
+              <a:spcAft>
+                <a:spcPts val="0"/>
+              </a:spcAft>
+              <a:buNone/>
+            </a:pPr>
+            <a:endParaRPr lang="en-US" sz="1200" dirty="0"/>
+          </a:p>
+          <a:p>
+            <a:pPr lvl="1" fontAlgn="base">
+              <a:lnSpc>
+                <a:spcPct val="100000"/>
+              </a:lnSpc>
+              <a:spcAft>
+                <a:spcPts val="0"/>
+              </a:spcAft>
+              <a:buNone/>
+            </a:pPr>
+            <a:r>
+              <a:rPr lang="en-US" sz="1200" b="1" dirty="0" err="1"/>
+              <a:t>Postconditions</a:t>
+            </a:r>
+            <a:r>
+              <a:rPr lang="en-US" sz="1200" b="1" dirty="0"/>
+              <a:t>:</a:t>
+            </a:r>
+            <a:endParaRPr lang="en-US" sz="1200" dirty="0"/>
+          </a:p>
+          <a:p>
+            <a:pPr lvl="2" fontAlgn="base">
+              <a:lnSpc>
+                <a:spcPct val="100000"/>
+              </a:lnSpc>
+              <a:spcAft>
+                <a:spcPts val="0"/>
+              </a:spcAft>
+              <a:buNone/>
+            </a:pPr>
+            <a:r>
+              <a:rPr lang="en-US" sz="1200" dirty="0"/>
+              <a:t>	The manager can see the weeks schedule</a:t>
+            </a:r>
+          </a:p>
+          <a:p>
+            <a:pPr lvl="2" fontAlgn="base">
+              <a:lnSpc>
+                <a:spcPct val="100000"/>
+              </a:lnSpc>
+              <a:spcAft>
+                <a:spcPts val="0"/>
+              </a:spcAft>
+              <a:buNone/>
+            </a:pPr>
+            <a:endParaRPr lang="en-US" sz="1200" dirty="0"/>
+          </a:p>
+          <a:p>
+            <a:pPr lvl="2" fontAlgn="base">
+              <a:lnSpc>
+                <a:spcPct val="100000"/>
+              </a:lnSpc>
+              <a:spcAft>
+                <a:spcPts val="0"/>
+              </a:spcAft>
+              <a:buNone/>
+            </a:pPr>
+            <a:r>
+              <a:rPr lang="en-US" sz="1200" dirty="0"/>
+              <a:t>	The employee can see their schedule</a:t>
+            </a:r>
+          </a:p>
+          <a:p>
+            <a:pPr fontAlgn="base">
+              <a:lnSpc>
+                <a:spcPct val="100000"/>
+              </a:lnSpc>
+              <a:spcAft>
+                <a:spcPts val="0"/>
+              </a:spcAft>
+            </a:pPr>
+            <a:endParaRPr lang="en-US" dirty="0"/>
+          </a:p>
+          <a:p>
+            <a:pPr>
+              <a:lnSpc>
+                <a:spcPct val="100000"/>
+              </a:lnSpc>
+              <a:spcAft>
+                <a:spcPts val="0"/>
+              </a:spcAft>
+            </a:pPr>
+            <a:endParaRPr lang="en-US" dirty="0"/>
+          </a:p>
+        </p:txBody>
+      </p:sp>
+    </p:spTree>
+    <p:extLst>
+      <p:ext uri="{BB962C8B-B14F-4D97-AF65-F5344CB8AC3E}">
+        <p14:creationId xmlns:p14="http://schemas.microsoft.com/office/powerpoint/2010/main" val="4043553795"/>
+      </p:ext>
+    </p:extLst>
+  </p:cSld>
+  <p:clrMapOvr>
+    <a:masterClrMapping/>
+  </p:clrMapOvr>
+</p:sld>
+</file>
+
+<file path=ppt/slides/slide6.xml><?xml version="1.0" encoding="utf-8"?>
+<p:sld xmlns:a="http://schemas.openxmlformats.org/drawingml/2006/main" xmlns:r="http://schemas.openxmlformats.org/officeDocument/2006/relationships" xmlns:p="http://schemas.openxmlformats.org/presentationml/2006/main">
+  <p:cSld>
+    <p:spTree>
+      <p:nvGrpSpPr>
+        <p:cNvPr id="1" name=""/>
+        <p:cNvGrpSpPr/>
+        <p:nvPr/>
+      </p:nvGrpSpPr>
+      <p:grpSpPr>
+        <a:xfrm>
+          <a:off x="0" y="0"/>
+          <a:ext cx="0" cy="0"/>
+          <a:chOff x="0" y="0"/>
+          <a:chExt cx="0" cy="0"/>
+        </a:xfrm>
+      </p:grpSpPr>
+      <p:sp>
+        <p:nvSpPr>
+          <p:cNvPr id="3" name="Text Placeholder 2"/>
+          <p:cNvSpPr>
+            <a:spLocks noGrp="1"/>
+          </p:cNvSpPr>
+          <p:nvPr>
+            <p:ph type="body" idx="1"/>
+          </p:nvPr>
+        </p:nvSpPr>
+        <p:spPr>
+          <a:xfrm>
+            <a:off x="1297500" y="559090"/>
+            <a:ext cx="7663620" cy="3919660"/>
+          </a:xfrm>
+        </p:spPr>
+        <p:txBody>
+          <a:bodyPr/>
+          <a:lstStyle/>
+          <a:p>
+            <a:pPr fontAlgn="base">
+              <a:lnSpc>
+                <a:spcPct val="100000"/>
+              </a:lnSpc>
+              <a:spcAft>
+                <a:spcPts val="600"/>
+              </a:spcAft>
+              <a:buNone/>
+            </a:pPr>
+            <a:r>
+              <a:rPr lang="en-US" sz="1400" b="1" dirty="0"/>
+              <a:t>Flow of Events for Main Success Scenario:</a:t>
+            </a:r>
+          </a:p>
+          <a:p>
+            <a:pPr lvl="1" fontAlgn="base">
+              <a:lnSpc>
+                <a:spcPct val="100000"/>
+              </a:lnSpc>
+              <a:spcAft>
+                <a:spcPts val="600"/>
+              </a:spcAft>
+              <a:buNone/>
+            </a:pPr>
+            <a:r>
+              <a:rPr lang="en-US" sz="1400" dirty="0"/>
+              <a:t>	The manager logs into their home page.</a:t>
+            </a:r>
+          </a:p>
+          <a:p>
+            <a:pPr lvl="1" fontAlgn="base">
+              <a:lnSpc>
+                <a:spcPct val="100000"/>
+              </a:lnSpc>
+              <a:spcAft>
+                <a:spcPts val="600"/>
+              </a:spcAft>
+              <a:buNone/>
+            </a:pPr>
+            <a:r>
+              <a:rPr lang="en-US" sz="1400" dirty="0"/>
+              <a:t>	The manager selects the week that they want to work on the schedule for.</a:t>
+            </a:r>
+          </a:p>
+          <a:p>
+            <a:pPr lvl="1" fontAlgn="base">
+              <a:lnSpc>
+                <a:spcPct val="100000"/>
+              </a:lnSpc>
+              <a:spcAft>
+                <a:spcPts val="600"/>
+              </a:spcAft>
+              <a:buNone/>
+            </a:pPr>
+            <a:r>
+              <a:rPr lang="en-US" sz="1400" dirty="0"/>
+              <a:t>	The manager clicks the “edit schedule” button.</a:t>
+            </a:r>
+          </a:p>
+          <a:p>
+            <a:pPr lvl="1" fontAlgn="base">
+              <a:lnSpc>
+                <a:spcPct val="100000"/>
+              </a:lnSpc>
+              <a:spcAft>
+                <a:spcPts val="600"/>
+              </a:spcAft>
+              <a:buNone/>
+            </a:pPr>
+            <a:r>
+              <a:rPr lang="en-US" sz="1400" dirty="0"/>
+              <a:t>	The manager chooses an employee and station to assign for the particular day.</a:t>
+            </a:r>
+          </a:p>
+          <a:p>
+            <a:pPr>
+              <a:lnSpc>
+                <a:spcPct val="100000"/>
+              </a:lnSpc>
+              <a:spcAft>
+                <a:spcPts val="600"/>
+              </a:spcAft>
+              <a:buNone/>
+            </a:pPr>
+            <a:br>
+              <a:rPr lang="en-US" sz="1400" dirty="0"/>
+            </a:br>
+            <a:endParaRPr lang="en-US" sz="1400" dirty="0"/>
+          </a:p>
+          <a:p>
+            <a:pPr lvl="1" fontAlgn="base">
+              <a:lnSpc>
+                <a:spcPct val="100000"/>
+              </a:lnSpc>
+              <a:spcAft>
+                <a:spcPts val="600"/>
+              </a:spcAft>
+              <a:buNone/>
+            </a:pPr>
+            <a:r>
+              <a:rPr lang="en-US" sz="1400" b="1" dirty="0"/>
+              <a:t>Exceptions</a:t>
+            </a:r>
+          </a:p>
+          <a:p>
+            <a:pPr lvl="2" fontAlgn="base">
+              <a:lnSpc>
+                <a:spcPct val="100000"/>
+              </a:lnSpc>
+              <a:spcAft>
+                <a:spcPts val="600"/>
+              </a:spcAft>
+              <a:buNone/>
+            </a:pPr>
+            <a:r>
+              <a:rPr lang="en-US" sz="1400" dirty="0"/>
+              <a:t>	The selected employee cannot work that day</a:t>
+            </a:r>
+          </a:p>
+          <a:p>
+            <a:pPr lvl="2" fontAlgn="base">
+              <a:lnSpc>
+                <a:spcPct val="100000"/>
+              </a:lnSpc>
+              <a:spcAft>
+                <a:spcPts val="600"/>
+              </a:spcAft>
+              <a:buNone/>
+            </a:pPr>
+            <a:r>
+              <a:rPr lang="en-US" sz="1400" dirty="0"/>
+              <a:t>	The selected employee is assigned to another station at that time</a:t>
+            </a:r>
+          </a:p>
+        </p:txBody>
+      </p:sp>
+    </p:spTree>
+    <p:extLst>
+      <p:ext uri="{BB962C8B-B14F-4D97-AF65-F5344CB8AC3E}">
+        <p14:creationId xmlns:p14="http://schemas.microsoft.com/office/powerpoint/2010/main" val="3908008845"/>
+      </p:ext>
+    </p:extLst>
+  </p:cSld>
+  <p:clrMapOvr>
+    <a:masterClrMapping/>
+  </p:clrMapOvr>
+</p:sld>
+</file>
+
+<file path=ppt/slides/slide7.xml><?xml version="1.0" encoding="utf-8"?>
+<p:sld xmlns:a="http://schemas.openxmlformats.org/drawingml/2006/main" xmlns:r="http://schemas.openxmlformats.org/officeDocument/2006/relationships" xmlns:p="http://schemas.openxmlformats.org/presentationml/2006/main">
+  <p:cSld>
+    <p:spTree>
+      <p:nvGrpSpPr>
+        <p:cNvPr id="1" name=""/>
+        <p:cNvGrpSpPr/>
+        <p:nvPr/>
+      </p:nvGrpSpPr>
+      <p:grpSpPr>
+        <a:xfrm>
+          <a:off x="0" y="0"/>
+          <a:ext cx="0" cy="0"/>
+          <a:chOff x="0" y="0"/>
+          <a:chExt cx="0" cy="0"/>
+        </a:xfrm>
+      </p:grpSpPr>
+      <p:sp>
+        <p:nvSpPr>
+          <p:cNvPr id="2" name="Title 1"/>
+          <p:cNvSpPr>
+            <a:spLocks noGrp="1"/>
+          </p:cNvSpPr>
+          <p:nvPr>
+            <p:ph type="title"/>
+          </p:nvPr>
+        </p:nvSpPr>
+        <p:spPr/>
+        <p:txBody>
+          <a:bodyPr/>
+          <a:lstStyle/>
+          <a:p>
+            <a:r>
+              <a:rPr lang="en-US" b="1" u="sng" dirty="0"/>
+              <a:t>Use Case-18</a:t>
+            </a:r>
+            <a:r>
+              <a:rPr lang="en-US" b="1" dirty="0"/>
+              <a:t> An employee can view their schedule</a:t>
+            </a:r>
+            <a:br>
+              <a:rPr lang="en-US" dirty="0"/>
+            </a:br>
+            <a:endParaRPr lang="en-US" dirty="0"/>
+          </a:p>
+        </p:txBody>
+      </p:sp>
+      <p:sp>
+        <p:nvSpPr>
+          <p:cNvPr id="3" name="Text Placeholder 2"/>
+          <p:cNvSpPr>
+            <a:spLocks noGrp="1"/>
+          </p:cNvSpPr>
+          <p:nvPr>
+            <p:ph type="body" idx="1"/>
+          </p:nvPr>
+        </p:nvSpPr>
+        <p:spPr>
+          <a:xfrm>
+            <a:off x="1024128" y="1567550"/>
+            <a:ext cx="8072846" cy="2911200"/>
+          </a:xfrm>
+        </p:spPr>
+        <p:txBody>
+          <a:bodyPr/>
+          <a:lstStyle/>
+          <a:p>
+            <a:pPr lvl="1" fontAlgn="base">
+              <a:spcAft>
+                <a:spcPts val="600"/>
+              </a:spcAft>
+              <a:buNone/>
+            </a:pPr>
+            <a:r>
+              <a:rPr lang="en-US" b="1" dirty="0"/>
+              <a:t>Initiating Actor(s):</a:t>
+            </a:r>
+            <a:endParaRPr lang="en-US" dirty="0"/>
+          </a:p>
+          <a:p>
+            <a:pPr lvl="2" fontAlgn="base">
+              <a:spcAft>
+                <a:spcPts val="600"/>
+              </a:spcAft>
+              <a:buNone/>
+            </a:pPr>
+            <a:r>
+              <a:rPr lang="en-US" dirty="0"/>
+              <a:t>	Employee</a:t>
+            </a:r>
+          </a:p>
+          <a:p>
+            <a:pPr lvl="1" fontAlgn="base">
+              <a:spcAft>
+                <a:spcPts val="600"/>
+              </a:spcAft>
+              <a:buNone/>
+            </a:pPr>
+            <a:r>
+              <a:rPr lang="en-US" b="1" dirty="0"/>
+              <a:t>Actor’s Goal:</a:t>
+            </a:r>
+            <a:endParaRPr lang="en-US" dirty="0"/>
+          </a:p>
+          <a:p>
+            <a:pPr lvl="2" fontAlgn="base">
+              <a:spcAft>
+                <a:spcPts val="600"/>
+              </a:spcAft>
+              <a:buNone/>
+            </a:pPr>
+            <a:r>
+              <a:rPr lang="en-US" dirty="0"/>
+              <a:t>	An employee can view when they are scheduled to work and optionally can request not to work on a certain day.</a:t>
+            </a:r>
+          </a:p>
+          <a:p>
+            <a:pPr lvl="1" fontAlgn="base">
+              <a:spcAft>
+                <a:spcPts val="600"/>
+              </a:spcAft>
+              <a:buNone/>
+            </a:pPr>
+            <a:r>
+              <a:rPr lang="en-US" b="1" dirty="0"/>
+              <a:t>Preconditions:</a:t>
+            </a:r>
+          </a:p>
+          <a:p>
+            <a:pPr lvl="2" fontAlgn="base">
+              <a:spcAft>
+                <a:spcPts val="600"/>
+              </a:spcAft>
+              <a:buNone/>
+            </a:pPr>
+            <a:r>
+              <a:rPr lang="en-US" dirty="0"/>
+              <a:t>	The employee is logged in.</a:t>
+            </a:r>
+          </a:p>
+          <a:p>
+            <a:pPr lvl="1" fontAlgn="base">
+              <a:spcAft>
+                <a:spcPts val="600"/>
+              </a:spcAft>
+              <a:buNone/>
+            </a:pPr>
+            <a:r>
+              <a:rPr lang="en-US" b="1" dirty="0" err="1"/>
+              <a:t>Postconditions</a:t>
+            </a:r>
+            <a:r>
+              <a:rPr lang="en-US" b="1" dirty="0"/>
+              <a:t>:</a:t>
+            </a:r>
+            <a:endParaRPr lang="en-US" dirty="0"/>
+          </a:p>
+          <a:p>
+            <a:pPr lvl="2" fontAlgn="base">
+              <a:spcAft>
+                <a:spcPts val="600"/>
+              </a:spcAft>
+              <a:buNone/>
+            </a:pPr>
+            <a:r>
+              <a:rPr lang="en-US" dirty="0"/>
+              <a:t>	The employee can see the weeks schedule.</a:t>
+            </a:r>
+          </a:p>
+          <a:p>
+            <a:pPr lvl="2" fontAlgn="base">
+              <a:spcAft>
+                <a:spcPts val="600"/>
+              </a:spcAft>
+              <a:buNone/>
+            </a:pPr>
+            <a:r>
+              <a:rPr lang="en-US" dirty="0"/>
+              <a:t>	The manager can see if an employee is unavailable to work.</a:t>
+            </a:r>
+          </a:p>
+          <a:p>
+            <a:pPr fontAlgn="base">
+              <a:lnSpc>
+                <a:spcPct val="100000"/>
+              </a:lnSpc>
+              <a:spcAft>
+                <a:spcPts val="0"/>
+              </a:spcAft>
+            </a:pPr>
+            <a:endParaRPr lang="en-US" dirty="0"/>
+          </a:p>
+          <a:p>
+            <a:pPr>
+              <a:lnSpc>
+                <a:spcPct val="100000"/>
+              </a:lnSpc>
+              <a:spcAft>
+                <a:spcPts val="0"/>
+              </a:spcAft>
+            </a:pPr>
+            <a:endParaRPr lang="en-US" dirty="0"/>
+          </a:p>
+        </p:txBody>
+      </p:sp>
+    </p:spTree>
+    <p:extLst>
+      <p:ext uri="{BB962C8B-B14F-4D97-AF65-F5344CB8AC3E}">
+        <p14:creationId xmlns:p14="http://schemas.microsoft.com/office/powerpoint/2010/main" val="3821816771"/>
+      </p:ext>
+    </p:extLst>
+  </p:cSld>
+  <p:clrMapOvr>
+    <a:masterClrMapping/>
+  </p:clrMapOvr>
+</p:sld>
+</file>
+
+<file path=ppt/slides/slide8.xml><?xml version="1.0" encoding="utf-8"?>
+<p:sld xmlns:a="http://schemas.openxmlformats.org/drawingml/2006/main" xmlns:r="http://schemas.openxmlformats.org/officeDocument/2006/relationships" xmlns:p="http://schemas.openxmlformats.org/presentationml/2006/main">
+  <p:cSld>
+    <p:spTree>
+      <p:nvGrpSpPr>
+        <p:cNvPr id="1" name=""/>
+        <p:cNvGrpSpPr/>
+        <p:nvPr/>
+      </p:nvGrpSpPr>
+      <p:grpSpPr>
+        <a:xfrm>
+          <a:off x="0" y="0"/>
+          <a:ext cx="0" cy="0"/>
+          <a:chOff x="0" y="0"/>
+          <a:chExt cx="0" cy="0"/>
+        </a:xfrm>
+      </p:grpSpPr>
+      <p:sp>
+        <p:nvSpPr>
+          <p:cNvPr id="3" name="Text Placeholder 2"/>
+          <p:cNvSpPr>
+            <a:spLocks noGrp="1"/>
+          </p:cNvSpPr>
+          <p:nvPr>
+            <p:ph type="body" idx="1"/>
+          </p:nvPr>
+        </p:nvSpPr>
+        <p:spPr>
+          <a:xfrm>
+            <a:off x="1297500" y="559090"/>
+            <a:ext cx="7663620" cy="3919660"/>
+          </a:xfrm>
+        </p:spPr>
+        <p:txBody>
+          <a:bodyPr/>
+          <a:lstStyle/>
+          <a:p>
+            <a:pPr lvl="1" fontAlgn="base">
+              <a:buNone/>
+            </a:pPr>
+            <a:r>
+              <a:rPr lang="en-US" b="1" dirty="0"/>
+              <a:t>Flow of Events for Main Success Scenario:</a:t>
+            </a:r>
+          </a:p>
+          <a:p>
+            <a:pPr lvl="1" fontAlgn="base">
+              <a:buNone/>
+            </a:pPr>
+            <a:r>
+              <a:rPr lang="en-US" dirty="0"/>
+              <a:t>	The employee logs into their home page</a:t>
+            </a:r>
+          </a:p>
+          <a:p>
+            <a:pPr lvl="1" fontAlgn="base">
+              <a:buNone/>
+            </a:pPr>
+            <a:r>
+              <a:rPr lang="en-US" dirty="0"/>
+              <a:t>	The employee’s schedule will populate on the page.</a:t>
+            </a:r>
+          </a:p>
+          <a:p>
+            <a:pPr lvl="1" fontAlgn="base">
+              <a:buNone/>
+            </a:pPr>
+            <a:r>
+              <a:rPr lang="en-US" dirty="0"/>
+              <a:t>	The employee can click the “edit availability” button.</a:t>
+            </a:r>
+          </a:p>
+          <a:p>
+            <a:pPr lvl="1" fontAlgn="base">
+              <a:buNone/>
+            </a:pPr>
+            <a:r>
+              <a:rPr lang="en-US" dirty="0"/>
+              <a:t>	The employee can select what day they cannot work and provide a reason why for the manager.</a:t>
+            </a:r>
+            <a:br>
+              <a:rPr lang="en-US" dirty="0"/>
+            </a:br>
+            <a:endParaRPr lang="en-US" dirty="0"/>
+          </a:p>
+          <a:p>
+            <a:pPr lvl="1" fontAlgn="base">
+              <a:buNone/>
+            </a:pPr>
+            <a:r>
+              <a:rPr lang="en-US" b="1" dirty="0"/>
+              <a:t>Exceptions</a:t>
+            </a:r>
+          </a:p>
+          <a:p>
+            <a:pPr lvl="2" fontAlgn="base">
+              <a:buNone/>
+            </a:pPr>
+            <a:r>
+              <a:rPr lang="en-US" dirty="0"/>
+              <a:t>	The employee is not scheduled to work</a:t>
+            </a:r>
+          </a:p>
+        </p:txBody>
+      </p:sp>
+    </p:spTree>
+    <p:extLst>
+      <p:ext uri="{BB962C8B-B14F-4D97-AF65-F5344CB8AC3E}">
+        <p14:creationId xmlns:p14="http://schemas.microsoft.com/office/powerpoint/2010/main" val="1901213849"/>
+      </p:ext>
+    </p:extLst>
+  </p:cSld>
+  <p:clrMapOvr>
+    <a:masterClrMapping/>
+  </p:clrMapOvr>
+</p:sld>
+</file>
+
+<file path=ppt/slides/slide9.xml><?xml version="1.0" encoding="utf-8"?>
+<p:sld xmlns:a="http://schemas.openxmlformats.org/drawingml/2006/main" xmlns:r="http://schemas.openxmlformats.org/officeDocument/2006/relationships" xmlns:p="http://schemas.openxmlformats.org/presentationml/2006/main">
+  <p:cSld>
+    <p:spTree>
+      <p:nvGrpSpPr>
+        <p:cNvPr id="1" name=""/>
+        <p:cNvGrpSpPr/>
+        <p:nvPr/>
+      </p:nvGrpSpPr>
+      <p:grpSpPr>
+        <a:xfrm>
+          <a:off x="0" y="0"/>
+          <a:ext cx="0" cy="0"/>
+          <a:chOff x="0" y="0"/>
+          <a:chExt cx="0" cy="0"/>
+        </a:xfrm>
+      </p:grpSpPr>
+      <p:sp>
+        <p:nvSpPr>
+          <p:cNvPr id="2" name="Title 1">
+            <a:extLst>
+              <a:ext uri="{FF2B5EF4-FFF2-40B4-BE49-F238E27FC236}">
+                <a16:creationId xmlns:a16="http://schemas.microsoft.com/office/drawing/2014/main" id="{AC9A987D-98CF-443A-871D-9A7172414B74}"/>
+              </a:ext>
+            </a:extLst>
+          </p:cNvPr>
+          <p:cNvSpPr>
+            <a:spLocks noGrp="1"/>
+          </p:cNvSpPr>
+          <p:nvPr>
+            <p:ph type="title"/>
+          </p:nvPr>
+        </p:nvSpPr>
+        <p:spPr/>
+        <p:txBody>
+          <a:bodyPr/>
+          <a:lstStyle/>
+          <a:p>
+            <a:r>
+              <a:rPr lang="en-US" dirty="0"/>
+              <a:t>UC-</a:t>
+            </a:r>
+            <a:r>
+              <a:rPr lang="en-US" dirty="0" err="1"/>
+              <a:t>GenerateAccountInfo</a:t>
+            </a:r>
+            <a:endParaRPr lang="en-US" dirty="0"/>
+          </a:p>
+        </p:txBody>
+      </p:sp>
+      <p:pic>
+        <p:nvPicPr>
+          <p:cNvPr id="5" name="Picture 4">
+            <a:extLst>
+              <a:ext uri="{FF2B5EF4-FFF2-40B4-BE49-F238E27FC236}">
+                <a16:creationId xmlns:a16="http://schemas.microsoft.com/office/drawing/2014/main" id="{545DD9A0-F349-4601-859D-C271BA193ADD}"/>
+              </a:ext>
+            </a:extLst>
+          </p:cNvPr>
+          <p:cNvPicPr>
+            <a:picLocks noChangeAspect="1"/>
+          </p:cNvPicPr>
+          <p:nvPr/>
+        </p:nvPicPr>
+        <p:blipFill>
+          <a:blip r:embed="rId2"/>
+          <a:stretch>
+            <a:fillRect/>
+          </a:stretch>
+        </p:blipFill>
+        <p:spPr>
+          <a:xfrm>
+            <a:off x="3717073" y="1372639"/>
+            <a:ext cx="4975079" cy="3033391"/>
+          </a:xfrm>
+          <a:prstGeom prst="rect">
+            <a:avLst/>
+          </a:prstGeom>
+        </p:spPr>
+      </p:pic>
+      <p:sp>
+        <p:nvSpPr>
+          <p:cNvPr id="3" name="Text Placeholder 2">
+            <a:extLst>
+              <a:ext uri="{FF2B5EF4-FFF2-40B4-BE49-F238E27FC236}">
+                <a16:creationId xmlns:a16="http://schemas.microsoft.com/office/drawing/2014/main" id="{7A8B1CF9-C7DB-439C-8D82-E537EF03F437}"/>
+              </a:ext>
+            </a:extLst>
+          </p:cNvPr>
+          <p:cNvSpPr>
+            <a:spLocks noGrp="1"/>
+          </p:cNvSpPr>
+          <p:nvPr>
+            <p:ph type="body" idx="1"/>
+          </p:nvPr>
+        </p:nvSpPr>
+        <p:spPr/>
+        <p:txBody>
+          <a:bodyPr/>
+          <a:lstStyle/>
+          <a:p>
+            <a:pPr marL="285750" indent="-285750"/>
+            <a:r>
+              <a:rPr lang="en-US" dirty="0" err="1"/>
+              <a:t>Usecase</a:t>
+            </a:r>
+            <a:r>
+              <a:rPr lang="en-US" dirty="0"/>
+              <a:t> Diagram</a:t>
+            </a:r>
+          </a:p>
+        </p:txBody>
+      </p:sp>
+    </p:spTree>
+    <p:extLst>
+      <p:ext uri="{BB962C8B-B14F-4D97-AF65-F5344CB8AC3E}">
+        <p14:creationId xmlns:p14="http://schemas.microsoft.com/office/powerpoint/2010/main" val="3371760981"/>
+      </p:ext>
+    </p:extLst>
+  </p:cSld>
+  <p:clrMapOvr>
+    <a:masterClrMapping/>
+  </p:clrMapOvr>
 </p:sld>
 </file>
 

--- a/Documentation/4999 - Sprint5.pptx
+++ b/Documentation/4999 - Sprint5.pptx
@@ -5,7 +5,7 @@
     <p:sldMasterId id="2147483659" r:id="rId1"/>
   </p:sldMasterIdLst>
   <p:notesMasterIdLst>
-    <p:notesMasterId r:id="rId15"/>
+    <p:notesMasterId r:id="rId11"/>
   </p:notesMasterIdLst>
   <p:sldIdLst>
     <p:sldId id="256" r:id="rId2"/>
@@ -16,26 +16,22 @@
     <p:sldId id="278" r:id="rId7"/>
     <p:sldId id="279" r:id="rId8"/>
     <p:sldId id="280" r:id="rId9"/>
-    <p:sldId id="281" r:id="rId10"/>
-    <p:sldId id="282" r:id="rId11"/>
-    <p:sldId id="283" r:id="rId12"/>
-    <p:sldId id="284" r:id="rId13"/>
-    <p:sldId id="264" r:id="rId14"/>
+    <p:sldId id="264" r:id="rId10"/>
   </p:sldIdLst>
   <p:sldSz cx="9144000" cy="5143500" type="screen16x9"/>
   <p:notesSz cx="6858000" cy="9144000"/>
   <p:embeddedFontLst>
     <p:embeddedFont>
       <p:font typeface="Montserrat" panose="020B0604020202020204" charset="0"/>
-      <p:regular r:id="rId16"/>
-      <p:bold r:id="rId17"/>
+      <p:regular r:id="rId12"/>
+      <p:bold r:id="rId13"/>
     </p:embeddedFont>
     <p:embeddedFont>
       <p:font typeface="Lato" panose="020B0604020202020204" charset="0"/>
-      <p:regular r:id="rId18"/>
-      <p:bold r:id="rId19"/>
-      <p:italic r:id="rId20"/>
-      <p:boldItalic r:id="rId21"/>
+      <p:regular r:id="rId14"/>
+      <p:bold r:id="rId15"/>
+      <p:italic r:id="rId16"/>
+      <p:boldItalic r:id="rId17"/>
     </p:embeddedFont>
   </p:embeddedFontLst>
   <p:defaultTextStyle>
@@ -6282,441 +6278,6 @@
 </p:sld>
 </file>
 
-<file path=ppt/slides/slide10.xml><?xml version="1.0" encoding="utf-8"?>
-<p:sld xmlns:a="http://schemas.openxmlformats.org/drawingml/2006/main" xmlns:r="http://schemas.openxmlformats.org/officeDocument/2006/relationships" xmlns:p="http://schemas.openxmlformats.org/presentationml/2006/main">
-  <p:cSld>
-    <p:spTree>
-      <p:nvGrpSpPr>
-        <p:cNvPr id="1" name=""/>
-        <p:cNvGrpSpPr/>
-        <p:nvPr/>
-      </p:nvGrpSpPr>
-      <p:grpSpPr>
-        <a:xfrm>
-          <a:off x="0" y="0"/>
-          <a:ext cx="0" cy="0"/>
-          <a:chOff x="0" y="0"/>
-          <a:chExt cx="0" cy="0"/>
-        </a:xfrm>
-      </p:grpSpPr>
-      <p:sp>
-        <p:nvSpPr>
-          <p:cNvPr id="2" name="Title 1">
-            <a:extLst>
-              <a:ext uri="{FF2B5EF4-FFF2-40B4-BE49-F238E27FC236}">
-                <a16:creationId xmlns:a16="http://schemas.microsoft.com/office/drawing/2014/main" id="{92E2C988-C286-4162-821F-B22539435A0D}"/>
-              </a:ext>
-            </a:extLst>
-          </p:cNvPr>
-          <p:cNvSpPr>
-            <a:spLocks noGrp="1"/>
-          </p:cNvSpPr>
-          <p:nvPr>
-            <p:ph type="title"/>
-          </p:nvPr>
-        </p:nvSpPr>
-        <p:spPr/>
-        <p:txBody>
-          <a:bodyPr/>
-          <a:lstStyle/>
-          <a:p>
-            <a:r>
-              <a:rPr lang="en-US" dirty="0"/>
-              <a:t>UC-</a:t>
-            </a:r>
-            <a:r>
-              <a:rPr lang="en-US" dirty="0" err="1"/>
-              <a:t>GenerateAccountInfo</a:t>
-            </a:r>
-            <a:r>
-              <a:rPr lang="en-US" dirty="0"/>
-              <a:t> Continued</a:t>
-            </a:r>
-          </a:p>
-        </p:txBody>
-      </p:sp>
-      <p:sp>
-        <p:nvSpPr>
-          <p:cNvPr id="3" name="Text Placeholder 2">
-            <a:extLst>
-              <a:ext uri="{FF2B5EF4-FFF2-40B4-BE49-F238E27FC236}">
-                <a16:creationId xmlns:a16="http://schemas.microsoft.com/office/drawing/2014/main" id="{3688B78C-3DEA-4BE8-AE05-A5C5348B9112}"/>
-              </a:ext>
-            </a:extLst>
-          </p:cNvPr>
-          <p:cNvSpPr>
-            <a:spLocks noGrp="1"/>
-          </p:cNvSpPr>
-          <p:nvPr>
-            <p:ph type="body" idx="1"/>
-          </p:nvPr>
-        </p:nvSpPr>
-        <p:spPr/>
-        <p:txBody>
-          <a:bodyPr/>
-          <a:lstStyle/>
-          <a:p>
-            <a:r>
-              <a:rPr lang="en-US" dirty="0"/>
-              <a:t>Activity Diagram</a:t>
-            </a:r>
-          </a:p>
-        </p:txBody>
-      </p:sp>
-      <p:pic>
-        <p:nvPicPr>
-          <p:cNvPr id="4" name="Picture 3">
-            <a:extLst>
-              <a:ext uri="{FF2B5EF4-FFF2-40B4-BE49-F238E27FC236}">
-                <a16:creationId xmlns:a16="http://schemas.microsoft.com/office/drawing/2014/main" id="{C6FB99A6-A7D9-47BA-BBCE-29B840DAAB77}"/>
-              </a:ext>
-            </a:extLst>
-          </p:cNvPr>
-          <p:cNvPicPr>
-            <a:picLocks noChangeAspect="1"/>
-          </p:cNvPicPr>
-          <p:nvPr/>
-        </p:nvPicPr>
-        <p:blipFill>
-          <a:blip r:embed="rId2"/>
-          <a:stretch>
-            <a:fillRect/>
-          </a:stretch>
-        </p:blipFill>
-        <p:spPr>
-          <a:xfrm>
-            <a:off x="3662751" y="1032787"/>
-            <a:ext cx="4925971" cy="3835650"/>
-          </a:xfrm>
-          <a:prstGeom prst="rect">
-            <a:avLst/>
-          </a:prstGeom>
-        </p:spPr>
-      </p:pic>
-    </p:spTree>
-    <p:extLst>
-      <p:ext uri="{BB962C8B-B14F-4D97-AF65-F5344CB8AC3E}">
-        <p14:creationId xmlns:p14="http://schemas.microsoft.com/office/powerpoint/2010/main" val="1759748371"/>
-      </p:ext>
-    </p:extLst>
-  </p:cSld>
-  <p:clrMapOvr>
-    <a:masterClrMapping/>
-  </p:clrMapOvr>
-</p:sld>
-</file>
-
-<file path=ppt/slides/slide11.xml><?xml version="1.0" encoding="utf-8"?>
-<p:sld xmlns:a="http://schemas.openxmlformats.org/drawingml/2006/main" xmlns:r="http://schemas.openxmlformats.org/officeDocument/2006/relationships" xmlns:p="http://schemas.openxmlformats.org/presentationml/2006/main">
-  <p:cSld>
-    <p:spTree>
-      <p:nvGrpSpPr>
-        <p:cNvPr id="1" name=""/>
-        <p:cNvGrpSpPr/>
-        <p:nvPr/>
-      </p:nvGrpSpPr>
-      <p:grpSpPr>
-        <a:xfrm>
-          <a:off x="0" y="0"/>
-          <a:ext cx="0" cy="0"/>
-          <a:chOff x="0" y="0"/>
-          <a:chExt cx="0" cy="0"/>
-        </a:xfrm>
-      </p:grpSpPr>
-      <p:sp>
-        <p:nvSpPr>
-          <p:cNvPr id="2" name="Title 1">
-            <a:extLst>
-              <a:ext uri="{FF2B5EF4-FFF2-40B4-BE49-F238E27FC236}">
-                <a16:creationId xmlns:a16="http://schemas.microsoft.com/office/drawing/2014/main" id="{00147F53-AFC7-4B97-9D1A-F9FA62E252E9}"/>
-              </a:ext>
-            </a:extLst>
-          </p:cNvPr>
-          <p:cNvSpPr>
-            <a:spLocks noGrp="1"/>
-          </p:cNvSpPr>
-          <p:nvPr>
-            <p:ph type="title"/>
-          </p:nvPr>
-        </p:nvSpPr>
-        <p:spPr/>
-        <p:txBody>
-          <a:bodyPr/>
-          <a:lstStyle/>
-          <a:p>
-            <a:r>
-              <a:rPr lang="en-US" dirty="0"/>
-              <a:t>UC-</a:t>
-            </a:r>
-            <a:r>
-              <a:rPr lang="en-US" dirty="0" err="1"/>
-              <a:t>GenerateAccountInfo</a:t>
-            </a:r>
-            <a:r>
-              <a:rPr lang="en-US" dirty="0"/>
-              <a:t> Continued</a:t>
-            </a:r>
-          </a:p>
-        </p:txBody>
-      </p:sp>
-      <p:sp>
-        <p:nvSpPr>
-          <p:cNvPr id="3" name="Text Placeholder 2">
-            <a:extLst>
-              <a:ext uri="{FF2B5EF4-FFF2-40B4-BE49-F238E27FC236}">
-                <a16:creationId xmlns:a16="http://schemas.microsoft.com/office/drawing/2014/main" id="{47F9231C-03C6-480C-AB9D-AD3D9AE060DC}"/>
-              </a:ext>
-            </a:extLst>
-          </p:cNvPr>
-          <p:cNvSpPr>
-            <a:spLocks noGrp="1"/>
-          </p:cNvSpPr>
-          <p:nvPr>
-            <p:ph type="body" idx="1"/>
-          </p:nvPr>
-        </p:nvSpPr>
-        <p:spPr/>
-        <p:txBody>
-          <a:bodyPr/>
-          <a:lstStyle/>
-          <a:p>
-            <a:r>
-              <a:rPr lang="en-US" dirty="0"/>
-              <a:t> Activity Diagram </a:t>
-            </a:r>
-          </a:p>
-        </p:txBody>
-      </p:sp>
-      <p:pic>
-        <p:nvPicPr>
-          <p:cNvPr id="4" name="Picture 3">
-            <a:extLst>
-              <a:ext uri="{FF2B5EF4-FFF2-40B4-BE49-F238E27FC236}">
-                <a16:creationId xmlns:a16="http://schemas.microsoft.com/office/drawing/2014/main" id="{76B5C5DA-39F8-413A-95B6-CC4ED30321EB}"/>
-              </a:ext>
-            </a:extLst>
-          </p:cNvPr>
-          <p:cNvPicPr>
-            <a:picLocks noChangeAspect="1"/>
-          </p:cNvPicPr>
-          <p:nvPr/>
-        </p:nvPicPr>
-        <p:blipFill>
-          <a:blip r:embed="rId2"/>
-          <a:stretch>
-            <a:fillRect/>
-          </a:stretch>
-        </p:blipFill>
-        <p:spPr>
-          <a:xfrm>
-            <a:off x="4268557" y="1136975"/>
-            <a:ext cx="3770477" cy="3772350"/>
-          </a:xfrm>
-          <a:prstGeom prst="rect">
-            <a:avLst/>
-          </a:prstGeom>
-        </p:spPr>
-      </p:pic>
-    </p:spTree>
-    <p:extLst>
-      <p:ext uri="{BB962C8B-B14F-4D97-AF65-F5344CB8AC3E}">
-        <p14:creationId xmlns:p14="http://schemas.microsoft.com/office/powerpoint/2010/main" val="3411452106"/>
-      </p:ext>
-    </p:extLst>
-  </p:cSld>
-  <p:clrMapOvr>
-    <a:masterClrMapping/>
-  </p:clrMapOvr>
-</p:sld>
-</file>
-
-<file path=ppt/slides/slide12.xml><?xml version="1.0" encoding="utf-8"?>
-<p:sld xmlns:a="http://schemas.openxmlformats.org/drawingml/2006/main" xmlns:r="http://schemas.openxmlformats.org/officeDocument/2006/relationships" xmlns:p="http://schemas.openxmlformats.org/presentationml/2006/main">
-  <p:cSld>
-    <p:spTree>
-      <p:nvGrpSpPr>
-        <p:cNvPr id="1" name=""/>
-        <p:cNvGrpSpPr/>
-        <p:nvPr/>
-      </p:nvGrpSpPr>
-      <p:grpSpPr>
-        <a:xfrm>
-          <a:off x="0" y="0"/>
-          <a:ext cx="0" cy="0"/>
-          <a:chOff x="0" y="0"/>
-          <a:chExt cx="0" cy="0"/>
-        </a:xfrm>
-      </p:grpSpPr>
-      <p:sp>
-        <p:nvSpPr>
-          <p:cNvPr id="2" name="Title 1">
-            <a:extLst>
-              <a:ext uri="{FF2B5EF4-FFF2-40B4-BE49-F238E27FC236}">
-                <a16:creationId xmlns:a16="http://schemas.microsoft.com/office/drawing/2014/main" id="{30E01517-89D5-479E-AB92-F077C68F7D1D}"/>
-              </a:ext>
-            </a:extLst>
-          </p:cNvPr>
-          <p:cNvSpPr>
-            <a:spLocks noGrp="1"/>
-          </p:cNvSpPr>
-          <p:nvPr>
-            <p:ph type="title"/>
-          </p:nvPr>
-        </p:nvSpPr>
-        <p:spPr/>
-        <p:txBody>
-          <a:bodyPr/>
-          <a:lstStyle/>
-          <a:p>
-            <a:r>
-              <a:rPr lang="en-US" dirty="0"/>
-              <a:t>UC-</a:t>
-            </a:r>
-            <a:r>
-              <a:rPr lang="en-US" dirty="0" err="1"/>
-              <a:t>GenerateAccountInfo</a:t>
-            </a:r>
-            <a:r>
-              <a:rPr lang="en-US" dirty="0"/>
-              <a:t> Continued</a:t>
-            </a:r>
-          </a:p>
-        </p:txBody>
-      </p:sp>
-      <p:sp>
-        <p:nvSpPr>
-          <p:cNvPr id="3" name="Text Placeholder 2">
-            <a:extLst>
-              <a:ext uri="{FF2B5EF4-FFF2-40B4-BE49-F238E27FC236}">
-                <a16:creationId xmlns:a16="http://schemas.microsoft.com/office/drawing/2014/main" id="{49A6E065-6F1B-49E2-946B-11841438A845}"/>
-              </a:ext>
-            </a:extLst>
-          </p:cNvPr>
-          <p:cNvSpPr>
-            <a:spLocks noGrp="1"/>
-          </p:cNvSpPr>
-          <p:nvPr>
-            <p:ph type="body" idx="1"/>
-          </p:nvPr>
-        </p:nvSpPr>
-        <p:spPr/>
-        <p:txBody>
-          <a:bodyPr/>
-          <a:lstStyle/>
-          <a:p>
-            <a:r>
-              <a:rPr lang="en-US" dirty="0"/>
-              <a:t>Sequence Diagram </a:t>
-            </a:r>
-          </a:p>
-        </p:txBody>
-      </p:sp>
-      <p:pic>
-        <p:nvPicPr>
-          <p:cNvPr id="4" name="Picture 3">
-            <a:extLst>
-              <a:ext uri="{FF2B5EF4-FFF2-40B4-BE49-F238E27FC236}">
-                <a16:creationId xmlns:a16="http://schemas.microsoft.com/office/drawing/2014/main" id="{F56F815B-8383-4FE7-BF8E-F4006244B977}"/>
-              </a:ext>
-            </a:extLst>
-          </p:cNvPr>
-          <p:cNvPicPr>
-            <a:picLocks noChangeAspect="1"/>
-          </p:cNvPicPr>
-          <p:nvPr/>
-        </p:nvPicPr>
-        <p:blipFill>
-          <a:blip r:embed="rId2"/>
-          <a:stretch>
-            <a:fillRect/>
-          </a:stretch>
-        </p:blipFill>
-        <p:spPr>
-          <a:xfrm>
-            <a:off x="3073722" y="1046131"/>
-            <a:ext cx="5672848" cy="3954037"/>
-          </a:xfrm>
-          <a:prstGeom prst="rect">
-            <a:avLst/>
-          </a:prstGeom>
-        </p:spPr>
-      </p:pic>
-    </p:spTree>
-    <p:extLst>
-      <p:ext uri="{BB962C8B-B14F-4D97-AF65-F5344CB8AC3E}">
-        <p14:creationId xmlns:p14="http://schemas.microsoft.com/office/powerpoint/2010/main" val="2461925098"/>
-      </p:ext>
-    </p:extLst>
-  </p:cSld>
-  <p:clrMapOvr>
-    <a:masterClrMapping/>
-  </p:clrMapOvr>
-</p:sld>
-</file>
-
-<file path=ppt/slides/slide13.xml><?xml version="1.0" encoding="utf-8"?>
-<p:sld xmlns:a="http://schemas.openxmlformats.org/drawingml/2006/main" xmlns:r="http://schemas.openxmlformats.org/officeDocument/2006/relationships" xmlns:p="http://schemas.openxmlformats.org/presentationml/2006/main">
-  <p:cSld>
-    <p:spTree>
-      <p:nvGrpSpPr>
-        <p:cNvPr id="1" name="Shape 181"/>
-        <p:cNvGrpSpPr/>
-        <p:nvPr/>
-      </p:nvGrpSpPr>
-      <p:grpSpPr>
-        <a:xfrm>
-          <a:off x="0" y="0"/>
-          <a:ext cx="0" cy="0"/>
-          <a:chOff x="0" y="0"/>
-          <a:chExt cx="0" cy="0"/>
-        </a:xfrm>
-      </p:grpSpPr>
-      <p:sp>
-        <p:nvSpPr>
-          <p:cNvPr id="182" name="Shape 182"/>
-          <p:cNvSpPr txBox="1">
-            <a:spLocks noGrp="1"/>
-          </p:cNvSpPr>
-          <p:nvPr>
-            <p:ph type="title"/>
-          </p:nvPr>
-        </p:nvSpPr>
-        <p:spPr>
-          <a:xfrm>
-            <a:off x="2969700" y="1777950"/>
-            <a:ext cx="3204600" cy="1587600"/>
-          </a:xfrm>
-          <a:prstGeom prst="rect">
-            <a:avLst/>
-          </a:prstGeom>
-        </p:spPr>
-        <p:txBody>
-          <a:bodyPr wrap="square" lIns="91425" tIns="91425" rIns="91425" bIns="91425" anchor="ctr" anchorCtr="0">
-            <a:noAutofit/>
-          </a:bodyPr>
-          <a:lstStyle/>
-          <a:p>
-            <a:pPr lvl="0" algn="ctr">
-              <a:spcBef>
-                <a:spcPts val="0"/>
-              </a:spcBef>
-              <a:buNone/>
-            </a:pPr>
-            <a:r>
-              <a:rPr lang="en" sz="4800"/>
-              <a:t>END</a:t>
-            </a:r>
-          </a:p>
-        </p:txBody>
-      </p:sp>
-    </p:spTree>
-  </p:cSld>
-  <p:clrMapOvr>
-    <a:masterClrMapping/>
-  </p:clrMapOvr>
-</p:sld>
-</file>
-
 <file path=ppt/slides/slide2.xml><?xml version="1.0" encoding="utf-8"?>
 <p:sld xmlns:a="http://schemas.openxmlformats.org/drawingml/2006/main" xmlns:r="http://schemas.openxmlformats.org/officeDocument/2006/relationships" xmlns:p="http://schemas.openxmlformats.org/presentationml/2006/main">
   <p:cSld>
@@ -7005,6 +6566,10 @@
             <a:r>
               <a:rPr lang="en-US" b="1" dirty="0"/>
               <a:t>Use Case-17 A manager can make the employee’s schedule</a:t>
+            </a:r>
+            <a:r>
+              <a:rPr lang="en-US" dirty="0"/>
+              <a:t/>
             </a:r>
             <a:br>
               <a:rPr lang="en-US" dirty="0"/>
@@ -7380,6 +6945,10 @@
               </a:spcAft>
               <a:buNone/>
             </a:pPr>
+            <a:r>
+              <a:rPr lang="en-US" sz="1400" dirty="0"/>
+              <a:t/>
+            </a:r>
             <a:br>
               <a:rPr lang="en-US" sz="1400" dirty="0"/>
             </a:br>
@@ -7484,6 +7053,10 @@
             <a:r>
               <a:rPr lang="en-US" b="1" dirty="0"/>
               <a:t> An employee can view their schedule</a:t>
+            </a:r>
+            <a:r>
+              <a:rPr lang="en-US" dirty="0"/>
+              <a:t/>
             </a:r>
             <a:br>
               <a:rPr lang="en-US" dirty="0"/>
@@ -7786,7 +7359,7 @@
   <p:cSld>
     <p:spTree>
       <p:nvGrpSpPr>
-        <p:cNvPr id="1" name=""/>
+        <p:cNvPr id="1" name="Shape 181"/>
         <p:cNvGrpSpPr/>
         <p:nvPr/>
       </p:nvGrpSpPr>
@@ -7800,106 +7373,43 @@
       </p:grpSpPr>
       <p:sp>
         <p:nvSpPr>
-          <p:cNvPr id="2" name="Title 1">
-            <a:extLst>
-              <a:ext uri="{FF2B5EF4-FFF2-40B4-BE49-F238E27FC236}">
-                <a16:creationId xmlns:a16="http://schemas.microsoft.com/office/drawing/2014/main" id="{AC9A987D-98CF-443A-871D-9A7172414B74}"/>
-              </a:ext>
-            </a:extLst>
-          </p:cNvPr>
-          <p:cNvSpPr>
+          <p:cNvPr id="182" name="Shape 182"/>
+          <p:cNvSpPr txBox="1">
             <a:spLocks noGrp="1"/>
           </p:cNvSpPr>
           <p:nvPr>
             <p:ph type="title"/>
           </p:nvPr>
         </p:nvSpPr>
-        <p:spPr/>
-        <p:txBody>
-          <a:bodyPr/>
-          <a:lstStyle/>
-          <a:p>
-            <a:r>
-              <a:rPr lang="en-US" dirty="0"/>
-              <a:t>UC-</a:t>
-            </a:r>
-            <a:r>
-              <a:rPr lang="en-US" dirty="0" err="1"/>
-              <a:t>GenerateAccountInfo</a:t>
-            </a:r>
-            <a:endParaRPr lang="en-US" dirty="0"/>
-          </a:p>
-        </p:txBody>
-      </p:sp>
-      <p:pic>
-        <p:nvPicPr>
-          <p:cNvPr id="5" name="Picture 4">
-            <a:extLst>
-              <a:ext uri="{FF2B5EF4-FFF2-40B4-BE49-F238E27FC236}">
-                <a16:creationId xmlns:a16="http://schemas.microsoft.com/office/drawing/2014/main" id="{545DD9A0-F349-4601-859D-C271BA193ADD}"/>
-              </a:ext>
-            </a:extLst>
-          </p:cNvPr>
-          <p:cNvPicPr>
-            <a:picLocks noChangeAspect="1"/>
-          </p:cNvPicPr>
-          <p:nvPr/>
-        </p:nvPicPr>
-        <p:blipFill>
-          <a:blip r:embed="rId2"/>
-          <a:stretch>
-            <a:fillRect/>
-          </a:stretch>
-        </p:blipFill>
         <p:spPr>
           <a:xfrm>
-            <a:off x="3717073" y="1372639"/>
-            <a:ext cx="4975079" cy="3033391"/>
+            <a:off x="2969700" y="1777950"/>
+            <a:ext cx="3204600" cy="1587600"/>
           </a:xfrm>
           <a:prstGeom prst="rect">
             <a:avLst/>
           </a:prstGeom>
         </p:spPr>
-      </p:pic>
-      <p:sp>
-        <p:nvSpPr>
-          <p:cNvPr id="3" name="Text Placeholder 2">
-            <a:extLst>
-              <a:ext uri="{FF2B5EF4-FFF2-40B4-BE49-F238E27FC236}">
-                <a16:creationId xmlns:a16="http://schemas.microsoft.com/office/drawing/2014/main" id="{7A8B1CF9-C7DB-439C-8D82-E537EF03F437}"/>
-              </a:ext>
-            </a:extLst>
-          </p:cNvPr>
-          <p:cNvSpPr>
-            <a:spLocks noGrp="1"/>
-          </p:cNvSpPr>
-          <p:nvPr>
-            <p:ph type="body" idx="1"/>
-          </p:nvPr>
-        </p:nvSpPr>
-        <p:spPr/>
         <p:txBody>
-          <a:bodyPr/>
+          <a:bodyPr wrap="square" lIns="91425" tIns="91425" rIns="91425" bIns="91425" anchor="ctr" anchorCtr="0">
+            <a:noAutofit/>
+          </a:bodyPr>
           <a:lstStyle/>
           <a:p>
-            <a:pPr marL="285750" indent="-285750"/>
+            <a:pPr lvl="0" algn="ctr">
+              <a:spcBef>
+                <a:spcPts val="0"/>
+              </a:spcBef>
+              <a:buNone/>
+            </a:pPr>
             <a:r>
-              <a:rPr lang="en-US" dirty="0" err="1"/>
-              <a:t>Usecase</a:t>
-            </a:r>
-            <a:r>
-              <a:rPr lang="en-US" dirty="0"/>
-              <a:t> Diagram</a:t>
+              <a:rPr lang="en" sz="4800"/>
+              <a:t>END</a:t>
             </a:r>
           </a:p>
         </p:txBody>
       </p:sp>
     </p:spTree>
-    <p:extLst>
-      <p:ext uri="{BB962C8B-B14F-4D97-AF65-F5344CB8AC3E}">
-        <p14:creationId xmlns:p14="http://schemas.microsoft.com/office/powerpoint/2010/main" val="3371760981"/>
-      </p:ext>
-    </p:extLst>
   </p:cSld>
   <p:clrMapOvr>
     <a:masterClrMapping/>

--- a/Documentation/4999 - Sprint5.pptx
+++ b/Documentation/4999 - Sprint5.pptx
@@ -6275,6 +6275,13 @@
   <p:clrMapOvr>
     <a:masterClrMapping/>
   </p:clrMapOvr>
+  <p:timing>
+    <p:tnLst>
+      <p:par>
+        <p:cTn id="1" dur="indefinite" restart="never" nodeType="tmRoot"/>
+      </p:par>
+    </p:tnLst>
+  </p:timing>
 </p:sld>
 </file>
 
@@ -6345,8 +6352,13 @@
           <a:p>
             <a:r>
               <a:rPr lang="en-US" sz="1400" dirty="0"/>
-              <a:t> Main page rink functionality</a:t>
+              <a:t> Main page </a:t>
             </a:r>
+            <a:r>
+              <a:rPr lang="en-US" sz="1400" dirty="0" smtClean="0"/>
+              <a:t>reservation overview carousel</a:t>
+            </a:r>
+            <a:endParaRPr lang="en-US" sz="1400" dirty="0"/>
           </a:p>
         </p:txBody>
       </p:sp>
@@ -6360,6 +6372,13 @@
   <p:clrMapOvr>
     <a:masterClrMapping/>
   </p:clrMapOvr>
+  <p:timing>
+    <p:tnLst>
+      <p:par>
+        <p:cTn id="1" dur="indefinite" restart="never" nodeType="tmRoot"/>
+      </p:par>
+    </p:tnLst>
+  </p:timing>
 </p:sld>
 </file>
 
@@ -6436,31 +6455,11 @@
           <a:p>
             <a:r>
               <a:rPr lang="en-US" sz="1600" dirty="0"/>
-              <a:t>Create video page</a:t>
-            </a:r>
-          </a:p>
-          <a:p>
-            <a:r>
-              <a:rPr lang="en-US" sz="1600" dirty="0"/>
-              <a:t>Finish up more </a:t>
+              <a:t>Create video </a:t>
             </a:r>
             <a:r>
-              <a:rPr lang="en-US" sz="1600" dirty="0" err="1"/>
-              <a:t>Usecase</a:t>
-            </a:r>
-            <a:r>
-              <a:rPr lang="en-US" sz="1600" dirty="0"/>
-              <a:t> Diagrams.</a:t>
-            </a:r>
-          </a:p>
-          <a:p>
-            <a:r>
-              <a:rPr lang="en-US" sz="1600" dirty="0"/>
-              <a:t>Add additional </a:t>
-            </a:r>
-            <a:r>
-              <a:rPr lang="en-US" sz="1600" dirty="0" err="1"/>
-              <a:t>usecase</a:t>
+              <a:rPr lang="en-US" sz="1600" dirty="0" smtClean="0"/>
+              <a:t>page</a:t>
             </a:r>
             <a:endParaRPr lang="en-US" sz="1600" dirty="0"/>
           </a:p>
@@ -6476,6 +6475,13 @@
   <p:clrMapOvr>
     <a:masterClrMapping/>
   </p:clrMapOvr>
+  <p:timing>
+    <p:tnLst>
+      <p:par>
+        <p:cTn id="1" dur="indefinite" restart="never" nodeType="tmRoot"/>
+      </p:par>
+    </p:tnLst>
+  </p:timing>
 </p:sld>
 </file>
 
@@ -6528,6 +6534,13 @@
   <p:clrMapOvr>
     <a:masterClrMapping/>
   </p:clrMapOvr>
+  <p:timing>
+    <p:tnLst>
+      <p:par>
+        <p:cTn id="1" dur="indefinite" restart="never" nodeType="tmRoot"/>
+      </p:par>
+    </p:tnLst>
+  </p:timing>
 </p:sld>
 </file>
 
@@ -6821,6 +6834,13 @@
   <p:clrMapOvr>
     <a:masterClrMapping/>
   </p:clrMapOvr>
+  <p:timing>
+    <p:tnLst>
+      <p:par>
+        <p:cTn id="1" dur="indefinite" restart="never" nodeType="tmRoot"/>
+      </p:par>
+    </p:tnLst>
+  </p:timing>
 </p:sld>
 </file>
 
@@ -7011,6 +7031,13 @@
   <p:clrMapOvr>
     <a:masterClrMapping/>
   </p:clrMapOvr>
+  <p:timing>
+    <p:tnLst>
+      <p:par>
+        <p:cTn id="1" dur="indefinite" restart="never" nodeType="tmRoot"/>
+      </p:par>
+    </p:tnLst>
+  </p:timing>
 </p:sld>
 </file>
 
@@ -7233,6 +7260,13 @@
   <p:clrMapOvr>
     <a:masterClrMapping/>
   </p:clrMapOvr>
+  <p:timing>
+    <p:tnLst>
+      <p:par>
+        <p:cTn id="1" dur="indefinite" restart="never" nodeType="tmRoot"/>
+      </p:par>
+    </p:tnLst>
+  </p:timing>
 </p:sld>
 </file>
 
@@ -7351,6 +7385,13 @@
   <p:clrMapOvr>
     <a:masterClrMapping/>
   </p:clrMapOvr>
+  <p:timing>
+    <p:tnLst>
+      <p:par>
+        <p:cTn id="1" dur="indefinite" restart="never" nodeType="tmRoot"/>
+      </p:par>
+    </p:tnLst>
+  </p:timing>
 </p:sld>
 </file>
 
@@ -7414,6 +7455,13 @@
   <p:clrMapOvr>
     <a:masterClrMapping/>
   </p:clrMapOvr>
+  <p:timing>
+    <p:tnLst>
+      <p:par>
+        <p:cTn id="1" dur="indefinite" restart="never" nodeType="tmRoot"/>
+      </p:par>
+    </p:tnLst>
+  </p:timing>
 </p:sld>
 </file>
 
